--- a/source/LLM을_활용한_실전_AI_애플리케이션_개발/CH4_말잘듣는LLM_작성중.pptx
+++ b/source/LLM을_활용한_실전_AI_애플리케이션_개발/CH4_말잘듣는LLM_작성중.pptx
@@ -31,33 +31,34 @@
   <p:notesSz cx="8229600" cy="14630400"/>
   <p:embeddedFontLst>
     <p:embeddedFont>
-      <p:font typeface="Instrument Sans Medium" charset="0"/>
+      <p:font typeface="Instrument Sans Medium" pitchFamily="2" charset="0"/>
       <p:regular r:id="rId19"/>
+      <p:italic r:id="rId20"/>
+    </p:embeddedFont>
+    <p:embeddedFont>
+      <p:font typeface="Calibri" panose="020F0502020204030204" pitchFamily="34" charset="0"/>
+      <p:regular r:id="rId21"/>
+      <p:bold r:id="rId22"/>
+      <p:italic r:id="rId23"/>
+      <p:boldItalic r:id="rId24"/>
+    </p:embeddedFont>
+    <p:embeddedFont>
+      <p:font typeface="Open Sans" panose="020B0604020202020204" charset="0"/>
+      <p:regular r:id="rId25"/>
+    </p:embeddedFont>
+    <p:embeddedFont>
+      <p:font typeface="D2Coding" panose="020B0609020101020101" pitchFamily="49" charset="-127"/>
+      <p:regular r:id="rId26"/>
+      <p:bold r:id="rId27"/>
     </p:embeddedFont>
     <p:embeddedFont>
       <p:font typeface="맑은 고딕" panose="020B0503020000020004" pitchFamily="50" charset="-127"/>
-      <p:regular r:id="rId20"/>
-      <p:bold r:id="rId21"/>
-    </p:embeddedFont>
-    <p:embeddedFont>
-      <p:font typeface="D2Coding" panose="020B0609020101020101" pitchFamily="49" charset="-127"/>
-      <p:regular r:id="rId22"/>
-      <p:bold r:id="rId23"/>
-    </p:embeddedFont>
-    <p:embeddedFont>
-      <p:font typeface="Open Sans" panose="020B0604020202020204" charset="0"/>
-      <p:regular r:id="rId24"/>
-    </p:embeddedFont>
-    <p:embeddedFont>
-      <p:font typeface="Calibri" panose="020F0502020204030204" pitchFamily="34" charset="0"/>
-      <p:regular r:id="rId25"/>
-      <p:bold r:id="rId26"/>
-      <p:italic r:id="rId27"/>
-      <p:boldItalic r:id="rId28"/>
+      <p:regular r:id="rId28"/>
+      <p:bold r:id="rId29"/>
     </p:embeddedFont>
     <p:embeddedFont>
       <p:font typeface="HS산토끼체 2.0" pitchFamily="2" charset="-127"/>
-      <p:regular r:id="rId29"/>
+      <p:regular r:id="rId30"/>
     </p:embeddedFont>
   </p:embeddedFontLst>
   <p:defaultTextStyle>
@@ -159,6 +160,9 @@
     <p:ext uri="{EFAFB233-063F-42B5-8137-9DF3F51BA10A}">
       <p15:sldGuideLst xmlns:p15="http://schemas.microsoft.com/office/powerpoint/2012/main"/>
     </p:ext>
+    <p:ext uri="{2D200454-40CA-4A62-9FC3-DE9A4176ACB9}">
+      <p15:notesGuideLst xmlns:p15="http://schemas.microsoft.com/office/powerpoint/2012/main"/>
+    </p:ext>
   </p:extLst>
 </p:presentation>
 </file>
@@ -245,7 +249,7 @@
           <a:p>
             <a:fld id="{4254A6BA-D3A0-4895-ABE8-33E3CB48A27C}" type="datetimeFigureOut">
               <a:rPr lang="ko-KR" altLang="en-US" smtClean="0"/>
-              <a:t>2025-02-05</a:t>
+              <a:t>2025-02-08</a:t>
             </a:fld>
             <a:endParaRPr lang="ko-KR" altLang="en-US"/>
           </a:p>
@@ -918,7 +922,7 @@
           <a:lstStyle/>
           <a:p>
             <a:r>
-              <a:rPr lang="ko-KR" altLang="en-US" sz="1200" b="0" kern="1200" dirty="0" smtClean="0">
+              <a:rPr lang="ko-KR" altLang="en-US" sz="1200" b="0" kern="1200" dirty="0">
                 <a:solidFill>
                   <a:schemeClr val="tx1"/>
                 </a:solidFill>
@@ -930,7 +934,7 @@
               <a:t>비영리 단체가 매월 </a:t>
             </a:r>
             <a:r>
-              <a:rPr lang="en-US" altLang="ko-KR" sz="1200" b="0" kern="1200" dirty="0" smtClean="0">
+              <a:rPr lang="en-US" altLang="ko-KR" sz="1200" b="0" kern="1200" dirty="0">
                 <a:solidFill>
                   <a:schemeClr val="tx1"/>
                 </a:solidFill>
@@ -942,7 +946,7 @@
               <a:t>20-30</a:t>
             </a:r>
             <a:r>
-              <a:rPr lang="ko-KR" altLang="en-US" sz="1200" b="0" kern="1200" dirty="0" smtClean="0">
+              <a:rPr lang="ko-KR" altLang="en-US" sz="1200" b="0" kern="1200" dirty="0">
                 <a:solidFill>
                   <a:schemeClr val="tx1"/>
                 </a:solidFill>
@@ -1904,14 +1908,6 @@
               </a:rPr>
               <a:t>2020년 GPT-3의 등장 이후, </a:t>
             </a:r>
-            <a:endParaRPr lang="en-US" sz="1750" dirty="0" smtClean="0">
-              <a:solidFill>
-                <a:srgbClr val="BFBFBF"/>
-              </a:solidFill>
-              <a:latin typeface="Open Sans" pitchFamily="34" charset="0"/>
-              <a:ea typeface="Open Sans" pitchFamily="34" charset="-122"/>
-              <a:cs typeface="Open Sans" pitchFamily="34" charset="-120"/>
-            </a:endParaRPr>
           </a:p>
           <a:p>
             <a:pPr marL="0" indent="0">
@@ -1921,7 +1917,7 @@
               <a:buNone/>
             </a:pPr>
             <a:r>
-              <a:rPr lang="en-US" sz="1750" dirty="0" err="1" smtClean="0">
+              <a:rPr lang="en-US" sz="1750" dirty="0" err="1">
                 <a:solidFill>
                   <a:srgbClr val="BFBFBF"/>
                 </a:solidFill>
@@ -1929,10 +1925,10 @@
                 <a:ea typeface="Open Sans" pitchFamily="34" charset="-122"/>
                 <a:cs typeface="Open Sans" pitchFamily="34" charset="-120"/>
               </a:rPr>
-              <a:t>2022</a:t>
-            </a:r>
-            <a:r>
-              <a:rPr lang="en-US" sz="1750" dirty="0" err="1">
+              <a:t>2022년</a:t>
+            </a:r>
+            <a:r>
+              <a:rPr lang="en-US" sz="1750" dirty="0">
                 <a:solidFill>
                   <a:srgbClr val="BFBFBF"/>
                 </a:solidFill>
@@ -1940,27 +1936,8 @@
                 <a:ea typeface="Open Sans" pitchFamily="34" charset="-122"/>
                 <a:cs typeface="Open Sans" pitchFamily="34" charset="-120"/>
               </a:rPr>
-              <a:t>년</a:t>
-            </a:r>
-            <a:r>
-              <a:rPr lang="en-US" sz="1750" dirty="0">
-                <a:solidFill>
-                  <a:srgbClr val="BFBFBF"/>
-                </a:solidFill>
-                <a:latin typeface="Open Sans" pitchFamily="34" charset="0"/>
-                <a:ea typeface="Open Sans" pitchFamily="34" charset="-122"/>
-                <a:cs typeface="Open Sans" pitchFamily="34" charset="-120"/>
-              </a:rPr>
               <a:t> ChatGPT는 놀라운 발전을 보여주었습니다. </a:t>
             </a:r>
-            <a:endParaRPr lang="en-US" sz="1750" dirty="0" smtClean="0">
-              <a:solidFill>
-                <a:srgbClr val="BFBFBF"/>
-              </a:solidFill>
-              <a:latin typeface="Open Sans" pitchFamily="34" charset="0"/>
-              <a:ea typeface="Open Sans" pitchFamily="34" charset="-122"/>
-              <a:cs typeface="Open Sans" pitchFamily="34" charset="-120"/>
-            </a:endParaRPr>
           </a:p>
           <a:p>
             <a:pPr marL="0" indent="0">
@@ -1970,7 +1947,7 @@
               <a:buNone/>
             </a:pPr>
             <a:r>
-              <a:rPr lang="en-US" sz="1750" dirty="0" smtClean="0">
+              <a:rPr lang="en-US" sz="1750" dirty="0">
                 <a:solidFill>
                   <a:srgbClr val="BFBFBF"/>
                 </a:solidFill>
@@ -1981,7 +1958,7 @@
               <a:t>LLM Foundation </a:t>
             </a:r>
             <a:r>
-              <a:rPr lang="ko-KR" altLang="en-US" sz="1750" dirty="0" smtClean="0">
+              <a:rPr lang="ko-KR" altLang="en-US" sz="1750" dirty="0">
                 <a:solidFill>
                   <a:srgbClr val="BFBFBF"/>
                 </a:solidFill>
@@ -1992,7 +1969,7 @@
               <a:t>모델의</a:t>
             </a:r>
             <a:r>
-              <a:rPr lang="en-US" sz="1750" dirty="0" smtClean="0">
+              <a:rPr lang="en-US" sz="1750" dirty="0">
                 <a:solidFill>
                   <a:srgbClr val="BFBFBF"/>
                 </a:solidFill>
@@ -2025,7 +2002,7 @@
               <a:t> </a:t>
             </a:r>
             <a:r>
-              <a:rPr lang="en-US" sz="1750" dirty="0" err="1" smtClean="0">
+              <a:rPr lang="en-US" sz="1750" dirty="0" err="1">
                 <a:solidFill>
                   <a:srgbClr val="BFBFBF"/>
                 </a:solidFill>
@@ -2036,7 +2013,7 @@
               <a:t>성능</a:t>
             </a:r>
             <a:r>
-              <a:rPr lang="ko-KR" altLang="en-US" sz="1750" dirty="0" smtClean="0">
+              <a:rPr lang="ko-KR" altLang="en-US" sz="1750" dirty="0">
                 <a:solidFill>
                   <a:srgbClr val="BFBFBF"/>
                 </a:solidFill>
@@ -2047,7 +2024,7 @@
               <a:t>을 만들기까지의 과정을</a:t>
             </a:r>
             <a:r>
-              <a:rPr lang="en-US" sz="1750" dirty="0" smtClean="0">
+              <a:rPr lang="en-US" sz="1750" dirty="0">
                 <a:solidFill>
                   <a:srgbClr val="BFBFBF"/>
                 </a:solidFill>
@@ -2058,7 +2035,7 @@
               <a:t> </a:t>
             </a:r>
             <a:r>
-              <a:rPr lang="en-US" sz="1750" dirty="0" err="1" smtClean="0">
+              <a:rPr lang="en-US" sz="1750" dirty="0" err="1">
                 <a:solidFill>
                   <a:srgbClr val="BFBFBF"/>
                 </a:solidFill>
@@ -2106,7 +2083,7 @@
         </p:blipFill>
         <p:spPr bwMode="auto">
           <a:xfrm>
-            <a:off x="0" y="255613"/>
+            <a:off x="199291" y="255613"/>
             <a:ext cx="5887797" cy="7672535"/>
           </a:xfrm>
           <a:prstGeom prst="rect">
@@ -2210,7 +2187,7 @@
               <a:t> </a:t>
             </a:r>
             <a:r>
-              <a:rPr lang="en-US" sz="3600" dirty="0" smtClean="0">
+              <a:rPr lang="en-US" sz="3600" dirty="0">
                 <a:solidFill>
                   <a:srgbClr val="FEFEFE"/>
                 </a:solidFill>
@@ -2218,18 +2195,7 @@
                 <a:ea typeface="Instrument Sans Medium" pitchFamily="34" charset="-122"/>
                 <a:cs typeface="Instrument Sans Medium" pitchFamily="34" charset="-120"/>
               </a:rPr>
-              <a:t>(</a:t>
-            </a:r>
-            <a:r>
-              <a:rPr lang="en-US" sz="3600" dirty="0">
-                <a:solidFill>
-                  <a:srgbClr val="FEFEFE"/>
-                </a:solidFill>
-                <a:latin typeface="Instrument Sans Medium" pitchFamily="34" charset="0"/>
-                <a:ea typeface="Instrument Sans Medium" pitchFamily="34" charset="-122"/>
-                <a:cs typeface="Instrument Sans Medium" pitchFamily="34" charset="-120"/>
-              </a:rPr>
-              <a:t>RLHF)</a:t>
+              <a:t>(RLHF)</a:t>
             </a:r>
             <a:endParaRPr lang="en-US" sz="3600" dirty="0"/>
           </a:p>
@@ -2481,7 +2447,7 @@
               <a:t> </a:t>
             </a:r>
             <a:r>
-              <a:rPr lang="en-US" sz="1750" dirty="0" err="1" smtClean="0">
+              <a:rPr lang="en-US" sz="1750" dirty="0" err="1">
                 <a:solidFill>
                   <a:srgbClr val="BFBFBF"/>
                 </a:solidFill>
@@ -2492,7 +2458,7 @@
               <a:t>평가자</a:t>
             </a:r>
             <a:r>
-              <a:rPr lang="ko-KR" altLang="en-US" sz="1750" dirty="0" smtClean="0">
+              <a:rPr lang="ko-KR" altLang="en-US" sz="1750" dirty="0">
                 <a:solidFill>
                   <a:srgbClr val="BFBFBF"/>
                 </a:solidFill>
@@ -2503,7 +2469,7 @@
               <a:t>의</a:t>
             </a:r>
             <a:r>
-              <a:rPr lang="en-US" sz="1750" dirty="0" smtClean="0">
+              <a:rPr lang="en-US" sz="1750" dirty="0">
                 <a:solidFill>
                   <a:srgbClr val="BFBFBF"/>
                 </a:solidFill>
@@ -2514,7 +2480,7 @@
               <a:t>  </a:t>
             </a:r>
             <a:r>
-              <a:rPr lang="en-US" sz="1750" dirty="0" err="1" smtClean="0">
+              <a:rPr lang="en-US" sz="1750" dirty="0" err="1">
                 <a:solidFill>
                   <a:srgbClr val="BFBFBF"/>
                 </a:solidFill>
@@ -2525,7 +2491,7 @@
               <a:t>선호도</a:t>
             </a:r>
             <a:r>
-              <a:rPr lang="ko-KR" altLang="en-US" sz="1750" dirty="0" smtClean="0">
+              <a:rPr lang="ko-KR" altLang="en-US" sz="1750" dirty="0">
                 <a:solidFill>
                   <a:srgbClr val="BFBFBF"/>
                 </a:solidFill>
@@ -2536,7 +2502,7 @@
               <a:t>를 학습합니다</a:t>
             </a:r>
             <a:r>
-              <a:rPr lang="en-US" altLang="ko-KR" sz="1750" dirty="0" smtClean="0">
+              <a:rPr lang="en-US" altLang="ko-KR" sz="1750" dirty="0">
                 <a:solidFill>
                   <a:srgbClr val="BFBFBF"/>
                 </a:solidFill>
@@ -2555,7 +2521,7 @@
               <a:buNone/>
             </a:pPr>
             <a:r>
-              <a:rPr lang="en-US" sz="1750" dirty="0" smtClean="0">
+              <a:rPr lang="en-US" sz="1750" dirty="0">
                 <a:solidFill>
                   <a:srgbClr val="BFBFBF"/>
                 </a:solidFill>
@@ -2566,7 +2532,7 @@
               <a:t>(</a:t>
             </a:r>
             <a:r>
-              <a:rPr lang="ko-KR" altLang="en-US" sz="1750" dirty="0" smtClean="0">
+              <a:rPr lang="ko-KR" altLang="en-US" sz="1750" dirty="0">
                 <a:solidFill>
                   <a:srgbClr val="BFBFBF"/>
                 </a:solidFill>
@@ -2577,7 +2543,7 @@
               <a:t>예</a:t>
             </a:r>
             <a:r>
-              <a:rPr lang="en-US" altLang="ko-KR" sz="1750" dirty="0" smtClean="0">
+              <a:rPr lang="en-US" altLang="ko-KR" sz="1750" dirty="0">
                 <a:solidFill>
                   <a:srgbClr val="BFBFBF"/>
                 </a:solidFill>
@@ -2588,7 +2554,7 @@
               <a:t>&gt; A</a:t>
             </a:r>
             <a:r>
-              <a:rPr lang="ko-KR" altLang="en-US" sz="1750" dirty="0" smtClean="0">
+              <a:rPr lang="ko-KR" altLang="en-US" sz="1750" dirty="0">
                 <a:solidFill>
                   <a:srgbClr val="BFBFBF"/>
                 </a:solidFill>
@@ -2599,7 +2565,7 @@
               <a:t>와 </a:t>
             </a:r>
             <a:r>
-              <a:rPr lang="en-US" altLang="ko-KR" sz="1750" dirty="0" smtClean="0">
+              <a:rPr lang="en-US" altLang="ko-KR" sz="1750" dirty="0">
                 <a:solidFill>
                   <a:srgbClr val="BFBFBF"/>
                 </a:solidFill>
@@ -2610,7 +2576,7 @@
               <a:t>B</a:t>
             </a:r>
             <a:r>
-              <a:rPr lang="ko-KR" altLang="en-US" sz="1750" dirty="0" smtClean="0">
+              <a:rPr lang="ko-KR" altLang="en-US" sz="1750" dirty="0">
                 <a:solidFill>
                   <a:srgbClr val="BFBFBF"/>
                 </a:solidFill>
@@ -2621,7 +2587,7 @@
               <a:t>중 어떤 코드가 가독성이 더 좋은가 등</a:t>
             </a:r>
             <a:r>
-              <a:rPr lang="en-US" altLang="ko-KR" sz="1750" dirty="0" smtClean="0">
+              <a:rPr lang="en-US" altLang="ko-KR" sz="1750" dirty="0">
                 <a:solidFill>
                   <a:srgbClr val="BFBFBF"/>
                 </a:solidFill>
@@ -2899,7 +2865,7 @@
               <a:t> </a:t>
             </a:r>
             <a:r>
-              <a:rPr lang="en-US" sz="3600" dirty="0" smtClean="0">
+              <a:rPr lang="en-US" sz="3600" dirty="0">
                 <a:solidFill>
                   <a:srgbClr val="FEFEFE"/>
                 </a:solidFill>
@@ -2907,32 +2873,10 @@
                 <a:ea typeface="Instrument Sans Medium" pitchFamily="34" charset="-122"/>
                 <a:cs typeface="Instrument Sans Medium" pitchFamily="34" charset="-120"/>
               </a:rPr>
-              <a:t>(</a:t>
-            </a:r>
-            <a:r>
-              <a:rPr lang="en-US" sz="3600" dirty="0">
-                <a:solidFill>
-                  <a:srgbClr val="FEFEFE"/>
-                </a:solidFill>
-                <a:latin typeface="Instrument Sans Medium" pitchFamily="34" charset="0"/>
-                <a:ea typeface="Instrument Sans Medium" pitchFamily="34" charset="-122"/>
-                <a:cs typeface="Instrument Sans Medium" pitchFamily="34" charset="-120"/>
-              </a:rPr>
-              <a:t>RLHF</a:t>
-            </a:r>
-            <a:r>
-              <a:rPr lang="en-US" sz="3600" dirty="0" smtClean="0">
-                <a:solidFill>
-                  <a:srgbClr val="FEFEFE"/>
-                </a:solidFill>
-                <a:latin typeface="Instrument Sans Medium" pitchFamily="34" charset="0"/>
-                <a:ea typeface="Instrument Sans Medium" pitchFamily="34" charset="-122"/>
-                <a:cs typeface="Instrument Sans Medium" pitchFamily="34" charset="-120"/>
-              </a:rPr>
-              <a:t>) </a:t>
-            </a:r>
-            <a:r>
-              <a:rPr lang="ko-KR" altLang="en-US" sz="3600" dirty="0" smtClean="0">
+              <a:t>(RLHF) </a:t>
+            </a:r>
+            <a:r>
+              <a:rPr lang="ko-KR" altLang="en-US" sz="3600" dirty="0">
                 <a:solidFill>
                   <a:srgbClr val="FEFEFE"/>
                 </a:solidFill>
@@ -2993,7 +2937,7 @@
           <a:p>
             <a:pPr algn="ctr"/>
             <a:r>
-              <a:rPr lang="ko-KR" altLang="en-US" sz="2400" dirty="0" smtClean="0">
+              <a:rPr lang="ko-KR" altLang="en-US" sz="2400" dirty="0">
                 <a:solidFill>
                   <a:srgbClr val="BFBFBF"/>
                 </a:solidFill>
@@ -3003,7 +2947,7 @@
               <a:t>밥먹고</a:t>
             </a:r>
             <a:r>
-              <a:rPr lang="en-US" altLang="ko-KR" sz="2400" dirty="0" smtClean="0">
+              <a:rPr lang="en-US" altLang="ko-KR" sz="2400" dirty="0">
                 <a:solidFill>
                   <a:srgbClr val="BFBFBF"/>
                 </a:solidFill>
@@ -3013,7 +2957,7 @@
               <a:t>(A1), </a:t>
             </a:r>
             <a:r>
-              <a:rPr lang="ko-KR" altLang="en-US" sz="2400" dirty="0" smtClean="0">
+              <a:rPr lang="ko-KR" altLang="en-US" sz="2400" dirty="0">
                 <a:solidFill>
                   <a:srgbClr val="BFBFBF"/>
                 </a:solidFill>
@@ -3023,7 +2967,7 @@
               <a:t>양치하고</a:t>
             </a:r>
             <a:r>
-              <a:rPr lang="en-US" altLang="ko-KR" sz="2400" dirty="0" smtClean="0">
+              <a:rPr lang="en-US" altLang="ko-KR" sz="2400" dirty="0">
                 <a:solidFill>
                   <a:srgbClr val="BFBFBF"/>
                 </a:solidFill>
@@ -3033,7 +2977,7 @@
               <a:t>(</a:t>
             </a:r>
             <a:r>
-              <a:rPr lang="en-US" altLang="ko-KR" sz="2400" dirty="0" err="1" smtClean="0">
+              <a:rPr lang="en-US" altLang="ko-KR" sz="2400" dirty="0" err="1">
                 <a:solidFill>
                   <a:srgbClr val="BFBFBF"/>
                 </a:solidFill>
@@ -3043,7 +2987,7 @@
               <a:t>A2</a:t>
             </a:r>
             <a:r>
-              <a:rPr lang="en-US" altLang="ko-KR" sz="2400" dirty="0" smtClean="0">
+              <a:rPr lang="en-US" altLang="ko-KR" sz="2400" dirty="0">
                 <a:solidFill>
                   <a:srgbClr val="BFBFBF"/>
                 </a:solidFill>
@@ -3053,7 +2997,7 @@
               <a:t>), </a:t>
             </a:r>
             <a:r>
-              <a:rPr lang="ko-KR" altLang="en-US" sz="2400" dirty="0" smtClean="0">
+              <a:rPr lang="ko-KR" altLang="en-US" sz="2400" dirty="0">
                 <a:solidFill>
                   <a:srgbClr val="BFBFBF"/>
                 </a:solidFill>
@@ -3063,7 +3007,7 @@
               <a:t>일찍자면</a:t>
             </a:r>
             <a:r>
-              <a:rPr lang="en-US" altLang="ko-KR" sz="2400" dirty="0" smtClean="0">
+              <a:rPr lang="en-US" altLang="ko-KR" sz="2400" dirty="0">
                 <a:solidFill>
                   <a:srgbClr val="BFBFBF"/>
                 </a:solidFill>
@@ -3073,7 +3017,7 @@
               <a:t>(</a:t>
             </a:r>
             <a:r>
-              <a:rPr lang="en-US" altLang="ko-KR" sz="2400" dirty="0" err="1" smtClean="0">
+              <a:rPr lang="en-US" altLang="ko-KR" sz="2400" dirty="0" err="1">
                 <a:solidFill>
                   <a:srgbClr val="BFBFBF"/>
                 </a:solidFill>
@@ -3083,7 +3027,7 @@
               <a:t>A3</a:t>
             </a:r>
             <a:r>
-              <a:rPr lang="en-US" altLang="ko-KR" sz="2400" dirty="0" smtClean="0">
+              <a:rPr lang="en-US" altLang="ko-KR" sz="2400" dirty="0">
                 <a:solidFill>
                   <a:srgbClr val="BFBFBF"/>
                 </a:solidFill>
@@ -3096,7 +3040,7 @@
           <a:p>
             <a:pPr algn="ctr"/>
             <a:r>
-              <a:rPr lang="ko-KR" altLang="en-US" sz="2400" dirty="0" smtClean="0">
+              <a:rPr lang="ko-KR" altLang="en-US" sz="2400" dirty="0">
                 <a:solidFill>
                   <a:srgbClr val="BFBFBF"/>
                 </a:solidFill>
@@ -3106,7 +3050,7 @@
               <a:t>사탕한개 받고 </a:t>
             </a:r>
             <a:r>
-              <a:rPr lang="en-US" altLang="ko-KR" sz="2400" dirty="0" smtClean="0">
+              <a:rPr lang="en-US" altLang="ko-KR" sz="2400" dirty="0">
                 <a:solidFill>
                   <a:srgbClr val="BFBFBF"/>
                 </a:solidFill>
@@ -3119,7 +3063,7 @@
           <a:p>
             <a:pPr algn="ctr"/>
             <a:r>
-              <a:rPr lang="ko-KR" altLang="en-US" sz="2400" dirty="0" smtClean="0">
+              <a:rPr lang="ko-KR" altLang="en-US" sz="2400" dirty="0">
                 <a:solidFill>
                   <a:srgbClr val="BFBFBF"/>
                 </a:solidFill>
@@ -3129,7 +3073,7 @@
               <a:t>피로가 풀리는 </a:t>
             </a:r>
             <a:r>
-              <a:rPr lang="en-US" altLang="ko-KR" sz="2400" dirty="0" smtClean="0">
+              <a:rPr lang="en-US" altLang="ko-KR" sz="2400" dirty="0">
                 <a:solidFill>
                   <a:srgbClr val="BFBFBF"/>
                 </a:solidFill>
@@ -3139,7 +3083,7 @@
               <a:t>(S)</a:t>
             </a:r>
             <a:r>
-              <a:rPr lang="ko-KR" altLang="en-US" sz="2400" dirty="0" smtClean="0">
+              <a:rPr lang="ko-KR" altLang="en-US" sz="2400" dirty="0">
                 <a:solidFill>
                   <a:srgbClr val="BFBFBF"/>
                 </a:solidFill>
@@ -3149,7 +3093,7 @@
               <a:t> </a:t>
             </a:r>
             <a:r>
-              <a:rPr lang="en-US" altLang="ko-KR" sz="2400" dirty="0" smtClean="0">
+              <a:rPr lang="en-US" altLang="ko-KR" sz="2400" dirty="0">
                 <a:solidFill>
                   <a:srgbClr val="BFBFBF"/>
                 </a:solidFill>
@@ -3159,7 +3103,7 @@
               <a:t>‘</a:t>
             </a:r>
             <a:r>
-              <a:rPr lang="ko-KR" altLang="en-US" sz="2400" dirty="0" smtClean="0">
+              <a:rPr lang="ko-KR" altLang="en-US" sz="2400" dirty="0">
                 <a:solidFill>
                   <a:srgbClr val="BFBFBF"/>
                 </a:solidFill>
@@ -3169,7 +3113,7 @@
               <a:t>한개의</a:t>
             </a:r>
             <a:r>
-              <a:rPr lang="en-US" altLang="ko-KR" sz="2400" dirty="0" smtClean="0">
+              <a:rPr lang="en-US" altLang="ko-KR" sz="2400" dirty="0">
                 <a:solidFill>
                   <a:srgbClr val="BFBFBF"/>
                 </a:solidFill>
@@ -3179,7 +3123,7 @@
               <a:t> </a:t>
             </a:r>
             <a:r>
-              <a:rPr lang="ko-KR" altLang="en-US" sz="2400" dirty="0" smtClean="0">
+              <a:rPr lang="ko-KR" altLang="en-US" sz="2400" dirty="0">
                 <a:solidFill>
                   <a:srgbClr val="BFBFBF"/>
                 </a:solidFill>
@@ -3189,7 +3133,7 @@
               <a:t>에피소드</a:t>
             </a:r>
             <a:r>
-              <a:rPr lang="en-US" altLang="ko-KR" sz="2400" dirty="0" smtClean="0">
+              <a:rPr lang="en-US" altLang="ko-KR" sz="2400" dirty="0">
                 <a:solidFill>
                   <a:srgbClr val="BFBFBF"/>
                 </a:solidFill>
@@ -3198,13 +3142,6 @@
               </a:rPr>
               <a:t>’</a:t>
             </a:r>
-            <a:endParaRPr lang="en-US" altLang="ko-KR" sz="2400" dirty="0">
-              <a:solidFill>
-                <a:srgbClr val="BFBFBF"/>
-              </a:solidFill>
-              <a:latin typeface="D2Coding" panose="020B0609020101020101" pitchFamily="49" charset="-127"/>
-              <a:ea typeface="D2Coding" panose="020B0609020101020101" pitchFamily="49" charset="-127"/>
-            </a:endParaRPr>
           </a:p>
         </p:txBody>
       </p:sp>
@@ -3290,7 +3227,7 @@
               <a:buNone/>
             </a:pPr>
             <a:r>
-              <a:rPr lang="en-US" sz="4450" dirty="0" smtClean="0">
+              <a:rPr lang="en-US" sz="4450" dirty="0">
                 <a:solidFill>
                   <a:srgbClr val="FEFEFE"/>
                 </a:solidFill>
@@ -3299,7 +3236,7 @@
               <a:t>PPO</a:t>
             </a:r>
             <a:r>
-              <a:rPr lang="ko-KR" altLang="en-US" sz="4450" dirty="0" smtClean="0">
+              <a:rPr lang="ko-KR" altLang="en-US" sz="4450" dirty="0">
                 <a:solidFill>
                   <a:srgbClr val="FEFEFE"/>
                 </a:solidFill>
@@ -3389,9 +3326,464 @@
           <a:chExt cx="0" cy="0"/>
         </a:xfrm>
       </p:grpSpPr>
+      <p:sp>
+        <p:nvSpPr>
+          <p:cNvPr id="3" name="Text 0"/>
+          <p:cNvSpPr/>
+          <p:nvPr/>
+        </p:nvSpPr>
+        <p:spPr>
+          <a:xfrm>
+            <a:off x="793790" y="204500"/>
+            <a:ext cx="5670590" cy="708779"/>
+          </a:xfrm>
+          <a:prstGeom prst="rect">
+            <a:avLst/>
+          </a:prstGeom>
+          <a:noFill/>
+          <a:ln/>
+        </p:spPr>
+        <p:txBody>
+          <a:bodyPr wrap="none" lIns="0" tIns="0" rIns="0" bIns="0" rtlCol="0" anchor="t"/>
+          <a:lstStyle/>
+          <a:p>
+            <a:pPr marL="0" indent="0">
+              <a:lnSpc>
+                <a:spcPts val="5550"/>
+              </a:lnSpc>
+              <a:buNone/>
+            </a:pPr>
+            <a:r>
+              <a:rPr lang="en-US" sz="4450" dirty="0" err="1">
+                <a:solidFill>
+                  <a:srgbClr val="FEFEFE"/>
+                </a:solidFill>
+                <a:latin typeface="Instrument Sans Medium" pitchFamily="34" charset="0"/>
+                <a:ea typeface="Instrument Sans Medium" pitchFamily="34" charset="-122"/>
+                <a:cs typeface="Instrument Sans Medium" pitchFamily="34" charset="-120"/>
+              </a:rPr>
+              <a:t>RLHF의</a:t>
+            </a:r>
+            <a:r>
+              <a:rPr lang="en-US" sz="4450" dirty="0">
+                <a:solidFill>
+                  <a:srgbClr val="FEFEFE"/>
+                </a:solidFill>
+                <a:latin typeface="Instrument Sans Medium" pitchFamily="34" charset="0"/>
+                <a:ea typeface="Instrument Sans Medium" pitchFamily="34" charset="-122"/>
+                <a:cs typeface="Instrument Sans Medium" pitchFamily="34" charset="-120"/>
+              </a:rPr>
+              <a:t> </a:t>
+            </a:r>
+            <a:r>
+              <a:rPr lang="en-US" sz="4450" dirty="0" err="1">
+                <a:solidFill>
+                  <a:srgbClr val="FEFEFE"/>
+                </a:solidFill>
+                <a:latin typeface="Instrument Sans Medium" pitchFamily="34" charset="0"/>
+                <a:ea typeface="Instrument Sans Medium" pitchFamily="34" charset="-122"/>
+                <a:cs typeface="Instrument Sans Medium" pitchFamily="34" charset="-120"/>
+              </a:rPr>
+              <a:t>단점</a:t>
+            </a:r>
+            <a:endParaRPr lang="en-US" sz="4450" dirty="0"/>
+          </a:p>
+        </p:txBody>
+      </p:sp>
+      <p:sp>
+        <p:nvSpPr>
+          <p:cNvPr id="4" name="Shape 1"/>
+          <p:cNvSpPr/>
+          <p:nvPr/>
+        </p:nvSpPr>
+        <p:spPr>
+          <a:xfrm>
+            <a:off x="793790" y="1302841"/>
+            <a:ext cx="6408063" cy="1045127"/>
+          </a:xfrm>
+          <a:prstGeom prst="roundRect">
+            <a:avLst>
+              <a:gd name="adj" fmla="val 2603"/>
+            </a:avLst>
+          </a:prstGeom>
+          <a:solidFill>
+            <a:srgbClr val="3E3E3E"/>
+          </a:solidFill>
+          <a:ln/>
+        </p:spPr>
+      </p:sp>
+      <p:sp>
+        <p:nvSpPr>
+          <p:cNvPr id="6" name="Text 3"/>
+          <p:cNvSpPr/>
+          <p:nvPr/>
+        </p:nvSpPr>
+        <p:spPr>
+          <a:xfrm>
+            <a:off x="1020604" y="1438740"/>
+            <a:ext cx="5954435" cy="362903"/>
+          </a:xfrm>
+          <a:prstGeom prst="rect">
+            <a:avLst/>
+          </a:prstGeom>
+          <a:noFill/>
+          <a:ln/>
+        </p:spPr>
+        <p:txBody>
+          <a:bodyPr wrap="none" lIns="0" tIns="0" rIns="0" bIns="0" rtlCol="0" anchor="t"/>
+          <a:lstStyle/>
+          <a:p>
+            <a:pPr marL="0" indent="0" algn="ctr">
+              <a:lnSpc>
+                <a:spcPts val="2850"/>
+              </a:lnSpc>
+              <a:buNone/>
+            </a:pPr>
+            <a:r>
+              <a:rPr lang="en-US" altLang="ko-KR" sz="1750" dirty="0" err="1">
+                <a:solidFill>
+                  <a:srgbClr val="BFBFBF"/>
+                </a:solidFill>
+                <a:latin typeface="Instrument Sans Medium" charset="0"/>
+                <a:ea typeface="Open Sans" pitchFamily="34" charset="-122"/>
+                <a:cs typeface="Open Sans" pitchFamily="34" charset="-120"/>
+              </a:rPr>
+              <a:t>PPO를</a:t>
+            </a:r>
+            <a:r>
+              <a:rPr lang="en-US" altLang="ko-KR" sz="1750" dirty="0">
+                <a:solidFill>
+                  <a:srgbClr val="BFBFBF"/>
+                </a:solidFill>
+                <a:latin typeface="Instrument Sans Medium" charset="0"/>
+                <a:ea typeface="Open Sans" pitchFamily="34" charset="-122"/>
+                <a:cs typeface="Open Sans" pitchFamily="34" charset="-120"/>
+              </a:rPr>
+              <a:t> </a:t>
+            </a:r>
+            <a:r>
+              <a:rPr lang="en-US" altLang="ko-KR" sz="1750" dirty="0" err="1">
+                <a:solidFill>
+                  <a:srgbClr val="BFBFBF"/>
+                </a:solidFill>
+                <a:latin typeface="Instrument Sans Medium" charset="0"/>
+                <a:ea typeface="Open Sans" pitchFamily="34" charset="-122"/>
+                <a:cs typeface="Open Sans" pitchFamily="34" charset="-120"/>
+              </a:rPr>
+              <a:t>통해</a:t>
+            </a:r>
+            <a:r>
+              <a:rPr lang="en-US" altLang="ko-KR" sz="1750" dirty="0">
+                <a:solidFill>
+                  <a:srgbClr val="BFBFBF"/>
+                </a:solidFill>
+                <a:latin typeface="Instrument Sans Medium" charset="0"/>
+                <a:ea typeface="Open Sans" pitchFamily="34" charset="-122"/>
+                <a:cs typeface="Open Sans" pitchFamily="34" charset="-120"/>
+              </a:rPr>
+              <a:t> </a:t>
+            </a:r>
+            <a:r>
+              <a:rPr lang="en-US" altLang="ko-KR" sz="1750" dirty="0" err="1">
+                <a:solidFill>
+                  <a:srgbClr val="BFBFBF"/>
+                </a:solidFill>
+                <a:latin typeface="Instrument Sans Medium" charset="0"/>
+                <a:ea typeface="Open Sans" pitchFamily="34" charset="-122"/>
+                <a:cs typeface="Open Sans" pitchFamily="34" charset="-120"/>
+              </a:rPr>
+              <a:t>보상</a:t>
+            </a:r>
+            <a:r>
+              <a:rPr lang="en-US" altLang="ko-KR" sz="1750" dirty="0">
+                <a:solidFill>
+                  <a:srgbClr val="BFBFBF"/>
+                </a:solidFill>
+                <a:latin typeface="Instrument Sans Medium" charset="0"/>
+                <a:ea typeface="Open Sans" pitchFamily="34" charset="-122"/>
+                <a:cs typeface="Open Sans" pitchFamily="34" charset="-120"/>
+              </a:rPr>
+              <a:t> </a:t>
+            </a:r>
+            <a:r>
+              <a:rPr lang="en-US" altLang="ko-KR" sz="1750" dirty="0" err="1">
+                <a:solidFill>
+                  <a:srgbClr val="BFBFBF"/>
+                </a:solidFill>
+                <a:latin typeface="Instrument Sans Medium" charset="0"/>
+                <a:ea typeface="Open Sans" pitchFamily="34" charset="-122"/>
+                <a:cs typeface="Open Sans" pitchFamily="34" charset="-120"/>
+              </a:rPr>
+              <a:t>해킹을</a:t>
+            </a:r>
+            <a:r>
+              <a:rPr lang="en-US" altLang="ko-KR" sz="1750" dirty="0">
+                <a:solidFill>
+                  <a:srgbClr val="BFBFBF"/>
+                </a:solidFill>
+                <a:latin typeface="Instrument Sans Medium" charset="0"/>
+                <a:ea typeface="Open Sans" pitchFamily="34" charset="-122"/>
+                <a:cs typeface="Open Sans" pitchFamily="34" charset="-120"/>
+              </a:rPr>
+              <a:t> </a:t>
+            </a:r>
+            <a:r>
+              <a:rPr lang="en-US" altLang="ko-KR" sz="1750" dirty="0" err="1">
+                <a:solidFill>
+                  <a:srgbClr val="BFBFBF"/>
+                </a:solidFill>
+                <a:latin typeface="Instrument Sans Medium" charset="0"/>
+                <a:ea typeface="Open Sans" pitchFamily="34" charset="-122"/>
+                <a:cs typeface="Open Sans" pitchFamily="34" charset="-120"/>
+              </a:rPr>
+              <a:t>방지하지만</a:t>
+            </a:r>
+            <a:r>
+              <a:rPr lang="en-US" altLang="ko-KR" sz="1750" dirty="0">
+                <a:solidFill>
+                  <a:srgbClr val="BFBFBF"/>
+                </a:solidFill>
+                <a:latin typeface="Instrument Sans Medium" charset="0"/>
+                <a:ea typeface="Open Sans" pitchFamily="34" charset="-122"/>
+                <a:cs typeface="Open Sans" pitchFamily="34" charset="-120"/>
+              </a:rPr>
+              <a:t>, </a:t>
+            </a:r>
+          </a:p>
+          <a:p>
+            <a:pPr marL="0" indent="0" algn="ctr">
+              <a:lnSpc>
+                <a:spcPts val="2850"/>
+              </a:lnSpc>
+              <a:buNone/>
+            </a:pPr>
+            <a:r>
+              <a:rPr lang="en-US" altLang="ko-KR" sz="1750" dirty="0" err="1">
+                <a:solidFill>
+                  <a:srgbClr val="BFBFBF"/>
+                </a:solidFill>
+                <a:latin typeface="Instrument Sans Medium" charset="0"/>
+                <a:ea typeface="Open Sans" pitchFamily="34" charset="-122"/>
+                <a:cs typeface="Open Sans" pitchFamily="34" charset="-120"/>
+              </a:rPr>
+              <a:t>자원</a:t>
+            </a:r>
+            <a:r>
+              <a:rPr lang="en-US" altLang="ko-KR" sz="1750" dirty="0">
+                <a:solidFill>
+                  <a:srgbClr val="BFBFBF"/>
+                </a:solidFill>
+                <a:latin typeface="Instrument Sans Medium" charset="0"/>
+                <a:ea typeface="Open Sans" pitchFamily="34" charset="-122"/>
+                <a:cs typeface="Open Sans" pitchFamily="34" charset="-120"/>
+              </a:rPr>
+              <a:t> </a:t>
+            </a:r>
+            <a:r>
+              <a:rPr lang="en-US" altLang="ko-KR" sz="1750" dirty="0" err="1">
+                <a:solidFill>
+                  <a:srgbClr val="BFBFBF"/>
+                </a:solidFill>
+                <a:latin typeface="Instrument Sans Medium" charset="0"/>
+                <a:ea typeface="Open Sans" pitchFamily="34" charset="-122"/>
+                <a:cs typeface="Open Sans" pitchFamily="34" charset="-120"/>
+              </a:rPr>
+              <a:t>소모가</a:t>
+            </a:r>
+            <a:r>
+              <a:rPr lang="en-US" altLang="ko-KR" sz="1750" dirty="0">
+                <a:solidFill>
+                  <a:srgbClr val="BFBFBF"/>
+                </a:solidFill>
+                <a:latin typeface="Instrument Sans Medium" charset="0"/>
+                <a:ea typeface="Open Sans" pitchFamily="34" charset="-122"/>
+                <a:cs typeface="Open Sans" pitchFamily="34" charset="-120"/>
+              </a:rPr>
+              <a:t> </a:t>
+            </a:r>
+            <a:r>
+              <a:rPr lang="en-US" altLang="ko-KR" sz="1750" dirty="0" err="1">
+                <a:solidFill>
+                  <a:srgbClr val="BFBFBF"/>
+                </a:solidFill>
+                <a:latin typeface="Instrument Sans Medium" charset="0"/>
+                <a:ea typeface="Open Sans" pitchFamily="34" charset="-122"/>
+                <a:cs typeface="Open Sans" pitchFamily="34" charset="-120"/>
+              </a:rPr>
+              <a:t>크고</a:t>
+            </a:r>
+            <a:r>
+              <a:rPr lang="en-US" altLang="ko-KR" sz="1750" dirty="0">
+                <a:solidFill>
+                  <a:srgbClr val="BFBFBF"/>
+                </a:solidFill>
+                <a:latin typeface="Instrument Sans Medium" charset="0"/>
+                <a:ea typeface="Open Sans" pitchFamily="34" charset="-122"/>
+                <a:cs typeface="Open Sans" pitchFamily="34" charset="-120"/>
+              </a:rPr>
+              <a:t> </a:t>
+            </a:r>
+            <a:r>
+              <a:rPr lang="en-US" altLang="ko-KR" sz="1750" dirty="0" err="1">
+                <a:solidFill>
+                  <a:srgbClr val="BFBFBF"/>
+                </a:solidFill>
+                <a:latin typeface="Instrument Sans Medium" charset="0"/>
+                <a:ea typeface="Open Sans" pitchFamily="34" charset="-122"/>
+                <a:cs typeface="Open Sans" pitchFamily="34" charset="-120"/>
+              </a:rPr>
+              <a:t>복잡</a:t>
+            </a:r>
+            <a:endParaRPr lang="en-US" altLang="ko-KR" sz="1750" dirty="0">
+              <a:latin typeface="Instrument Sans Medium" charset="0"/>
+            </a:endParaRPr>
+          </a:p>
+        </p:txBody>
+      </p:sp>
+      <p:sp>
+        <p:nvSpPr>
+          <p:cNvPr id="7" name="Shape 4"/>
+          <p:cNvSpPr/>
+          <p:nvPr/>
+        </p:nvSpPr>
+        <p:spPr>
+          <a:xfrm>
+            <a:off x="7428667" y="1302841"/>
+            <a:ext cx="6408063" cy="1045127"/>
+          </a:xfrm>
+          <a:prstGeom prst="roundRect">
+            <a:avLst>
+              <a:gd name="adj" fmla="val 2603"/>
+            </a:avLst>
+          </a:prstGeom>
+          <a:solidFill>
+            <a:srgbClr val="3E3E3E"/>
+          </a:solidFill>
+          <a:ln/>
+        </p:spPr>
+      </p:sp>
+      <p:sp>
+        <p:nvSpPr>
+          <p:cNvPr id="9" name="Text 6"/>
+          <p:cNvSpPr/>
+          <p:nvPr/>
+        </p:nvSpPr>
+        <p:spPr>
+          <a:xfrm>
+            <a:off x="7655481" y="1267290"/>
+            <a:ext cx="5954435" cy="362903"/>
+          </a:xfrm>
+          <a:prstGeom prst="rect">
+            <a:avLst/>
+          </a:prstGeom>
+          <a:noFill/>
+          <a:ln/>
+        </p:spPr>
+        <p:txBody>
+          <a:bodyPr wrap="none" lIns="0" tIns="0" rIns="0" bIns="0" rtlCol="0" anchor="t"/>
+          <a:lstStyle/>
+          <a:p>
+            <a:pPr marL="0" indent="0" algn="ctr">
+              <a:lnSpc>
+                <a:spcPts val="2850"/>
+              </a:lnSpc>
+              <a:buNone/>
+            </a:pPr>
+            <a:r>
+              <a:rPr lang="ko-KR" altLang="en-US" sz="1750" dirty="0" err="1">
+                <a:solidFill>
+                  <a:srgbClr val="BFBFBF"/>
+                </a:solidFill>
+                <a:latin typeface="Instrument Sans Medium" charset="0"/>
+                <a:ea typeface="Open Sans" pitchFamily="34" charset="-122"/>
+                <a:cs typeface="Open Sans" pitchFamily="34" charset="-120"/>
+              </a:rPr>
+              <a:t>하이퍼파라미터에</a:t>
+            </a:r>
+            <a:r>
+              <a:rPr lang="ko-KR" altLang="en-US" sz="1750" dirty="0">
+                <a:solidFill>
+                  <a:srgbClr val="BFBFBF"/>
+                </a:solidFill>
+                <a:latin typeface="Instrument Sans Medium" charset="0"/>
+                <a:ea typeface="Open Sans" pitchFamily="34" charset="-122"/>
+                <a:cs typeface="Open Sans" pitchFamily="34" charset="-120"/>
+              </a:rPr>
+              <a:t> 민감하고</a:t>
+            </a:r>
+            <a:r>
+              <a:rPr lang="en-US" altLang="ko-KR" sz="1750" dirty="0">
+                <a:solidFill>
+                  <a:srgbClr val="BFBFBF"/>
+                </a:solidFill>
+                <a:latin typeface="Instrument Sans Medium" charset="0"/>
+                <a:ea typeface="Open Sans" pitchFamily="34" charset="-122"/>
+                <a:cs typeface="Open Sans" pitchFamily="34" charset="-120"/>
+              </a:rPr>
+              <a:t>,</a:t>
+            </a:r>
+          </a:p>
+          <a:p>
+            <a:pPr marL="0" indent="0" algn="ctr">
+              <a:lnSpc>
+                <a:spcPts val="2850"/>
+              </a:lnSpc>
+              <a:buNone/>
+            </a:pPr>
+            <a:r>
+              <a:rPr lang="ko-KR" altLang="en-US" sz="1750" dirty="0">
+                <a:solidFill>
+                  <a:srgbClr val="BFBFBF"/>
+                </a:solidFill>
+                <a:latin typeface="Instrument Sans Medium" charset="0"/>
+                <a:cs typeface="Open Sans" pitchFamily="34" charset="-120"/>
+              </a:rPr>
+              <a:t>두가지 행동이 한번에 발생시에는 어떤 행동으로 인해 점수가</a:t>
+            </a:r>
+            <a:endParaRPr lang="en-US" altLang="ko-KR" sz="1750" dirty="0">
+              <a:solidFill>
+                <a:srgbClr val="BFBFBF"/>
+              </a:solidFill>
+              <a:latin typeface="Instrument Sans Medium" charset="0"/>
+              <a:cs typeface="Open Sans" pitchFamily="34" charset="-120"/>
+            </a:endParaRPr>
+          </a:p>
+          <a:p>
+            <a:pPr marL="0" indent="0" algn="ctr">
+              <a:lnSpc>
+                <a:spcPts val="2850"/>
+              </a:lnSpc>
+              <a:buNone/>
+            </a:pPr>
+            <a:r>
+              <a:rPr lang="ko-KR" altLang="en-US" sz="1750" dirty="0">
+                <a:solidFill>
+                  <a:srgbClr val="BFBFBF"/>
+                </a:solidFill>
+                <a:latin typeface="Instrument Sans Medium" charset="0"/>
+                <a:cs typeface="Open Sans" pitchFamily="34" charset="-120"/>
+              </a:rPr>
+              <a:t>높아졌는지 파악 어려움</a:t>
+            </a:r>
+            <a:endParaRPr lang="en-US" altLang="ko-KR" sz="1750" dirty="0">
+              <a:solidFill>
+                <a:srgbClr val="BFBFBF"/>
+              </a:solidFill>
+              <a:latin typeface="Instrument Sans Medium" charset="0"/>
+              <a:cs typeface="Open Sans" pitchFamily="34" charset="-120"/>
+            </a:endParaRPr>
+          </a:p>
+        </p:txBody>
+      </p:sp>
       <p:pic>
         <p:nvPicPr>
-          <p:cNvPr id="2" name="Image 0" descr="preencoded.png"/>
+          <p:cNvPr id="11" name="그림 10">
+            <a:extLst>
+              <a:ext uri="{FF2B5EF4-FFF2-40B4-BE49-F238E27FC236}">
+                <a16:creationId xmlns:a16="http://schemas.microsoft.com/office/drawing/2014/main" xmlns="" id="{4B9CFD43-E2BE-9372-65C3-DD2167C10141}"/>
+              </a:ext>
+            </a:extLst>
+          </p:cNvPr>
           <p:cNvPicPr>
             <a:picLocks noChangeAspect="1"/>
           </p:cNvPicPr>
@@ -3405,308 +3797,74 @@
         </p:blipFill>
         <p:spPr>
           <a:xfrm>
-            <a:off x="0" y="0"/>
-            <a:ext cx="14630400" cy="2835235"/>
+            <a:off x="2386012" y="2737530"/>
+            <a:ext cx="3495675" cy="1562100"/>
           </a:xfrm>
           <a:prstGeom prst="rect">
             <a:avLst/>
           </a:prstGeom>
         </p:spPr>
       </p:pic>
-      <p:sp>
-        <p:nvSpPr>
-          <p:cNvPr id="3" name="Text 0"/>
-          <p:cNvSpPr/>
-          <p:nvPr/>
-        </p:nvSpPr>
-        <p:spPr>
-          <a:xfrm>
-            <a:off x="793790" y="4354473"/>
-            <a:ext cx="5670590" cy="708779"/>
-          </a:xfrm>
-          <a:prstGeom prst="rect">
-            <a:avLst/>
-          </a:prstGeom>
-          <a:noFill/>
-          <a:ln/>
-        </p:spPr>
-        <p:txBody>
-          <a:bodyPr wrap="none" lIns="0" tIns="0" rIns="0" bIns="0" rtlCol="0" anchor="t"/>
-          <a:lstStyle/>
-          <a:p>
-            <a:pPr marL="0" indent="0">
-              <a:lnSpc>
-                <a:spcPts val="5550"/>
-              </a:lnSpc>
-              <a:buNone/>
-            </a:pPr>
-            <a:r>
-              <a:rPr lang="en-US" sz="4450" dirty="0">
-                <a:solidFill>
-                  <a:srgbClr val="FEFEFE"/>
-                </a:solidFill>
-                <a:latin typeface="Instrument Sans Medium" pitchFamily="34" charset="0"/>
-                <a:ea typeface="Instrument Sans Medium" pitchFamily="34" charset="-122"/>
-                <a:cs typeface="Instrument Sans Medium" pitchFamily="34" charset="-120"/>
-              </a:rPr>
-              <a:t>RLHF의 장단점</a:t>
-            </a:r>
-            <a:endParaRPr lang="en-US" sz="4450" dirty="0"/>
-          </a:p>
-        </p:txBody>
-      </p:sp>
-      <p:sp>
-        <p:nvSpPr>
-          <p:cNvPr id="4" name="Shape 1"/>
-          <p:cNvSpPr/>
-          <p:nvPr/>
-        </p:nvSpPr>
-        <p:spPr>
-          <a:xfrm>
-            <a:off x="793790" y="5403413"/>
-            <a:ext cx="6408063" cy="1683187"/>
-          </a:xfrm>
-          <a:prstGeom prst="roundRect">
-            <a:avLst>
-              <a:gd name="adj" fmla="val 2603"/>
-            </a:avLst>
-          </a:prstGeom>
-          <a:solidFill>
-            <a:srgbClr val="3E3E3E"/>
-          </a:solidFill>
-          <a:ln/>
-        </p:spPr>
-      </p:sp>
-      <p:sp>
-        <p:nvSpPr>
-          <p:cNvPr id="6" name="Text 3"/>
-          <p:cNvSpPr/>
-          <p:nvPr/>
-        </p:nvSpPr>
-        <p:spPr>
-          <a:xfrm>
-            <a:off x="1020604" y="5834896"/>
-            <a:ext cx="5954435" cy="362903"/>
-          </a:xfrm>
-          <a:prstGeom prst="rect">
-            <a:avLst/>
-          </a:prstGeom>
-          <a:noFill/>
-          <a:ln/>
-        </p:spPr>
-        <p:txBody>
-          <a:bodyPr wrap="none" lIns="0" tIns="0" rIns="0" bIns="0" rtlCol="0" anchor="t"/>
-          <a:lstStyle/>
-          <a:p>
-            <a:pPr marL="0" indent="0" algn="ctr">
-              <a:lnSpc>
-                <a:spcPts val="2850"/>
-              </a:lnSpc>
-              <a:buNone/>
-            </a:pPr>
-            <a:r>
-              <a:rPr lang="en-US" sz="1750" dirty="0">
-                <a:solidFill>
-                  <a:srgbClr val="BFBFBF"/>
-                </a:solidFill>
-                <a:latin typeface="Instrument Sans Medium" charset="0"/>
-                <a:ea typeface="Open Sans" pitchFamily="34" charset="-122"/>
-                <a:cs typeface="Open Sans" pitchFamily="34" charset="-120"/>
-              </a:rPr>
-              <a:t>인간의 선호도를 </a:t>
-            </a:r>
-            <a:r>
-              <a:rPr lang="en-US" sz="1750" dirty="0" err="1">
-                <a:solidFill>
-                  <a:srgbClr val="BFBFBF"/>
-                </a:solidFill>
-                <a:latin typeface="Instrument Sans Medium" charset="0"/>
-                <a:ea typeface="Open Sans" pitchFamily="34" charset="-122"/>
-                <a:cs typeface="Open Sans" pitchFamily="34" charset="-120"/>
-              </a:rPr>
-              <a:t>반영하여</a:t>
-            </a:r>
-            <a:r>
-              <a:rPr lang="en-US" sz="1750" dirty="0">
-                <a:solidFill>
-                  <a:srgbClr val="BFBFBF"/>
-                </a:solidFill>
-                <a:latin typeface="Instrument Sans Medium" charset="0"/>
-                <a:ea typeface="Open Sans" pitchFamily="34" charset="-122"/>
-                <a:cs typeface="Open Sans" pitchFamily="34" charset="-120"/>
-              </a:rPr>
-              <a:t> </a:t>
-            </a:r>
-            <a:endParaRPr lang="en-US" sz="1750" dirty="0" smtClean="0">
-              <a:solidFill>
-                <a:srgbClr val="BFBFBF"/>
-              </a:solidFill>
-              <a:latin typeface="Instrument Sans Medium" charset="0"/>
-              <a:ea typeface="Open Sans" pitchFamily="34" charset="-122"/>
-              <a:cs typeface="Open Sans" pitchFamily="34" charset="-120"/>
-            </a:endParaRPr>
-          </a:p>
-          <a:p>
-            <a:pPr marL="0" indent="0" algn="ctr">
-              <a:lnSpc>
-                <a:spcPts val="2850"/>
-              </a:lnSpc>
-              <a:buNone/>
-            </a:pPr>
-            <a:r>
-              <a:rPr lang="en-US" sz="1750" dirty="0" err="1" smtClean="0">
-                <a:solidFill>
-                  <a:srgbClr val="BFBFBF"/>
-                </a:solidFill>
-                <a:latin typeface="Instrument Sans Medium" charset="0"/>
-                <a:ea typeface="Open Sans" pitchFamily="34" charset="-122"/>
-                <a:cs typeface="Open Sans" pitchFamily="34" charset="-120"/>
-              </a:rPr>
-              <a:t>더욱</a:t>
-            </a:r>
-            <a:r>
-              <a:rPr lang="en-US" sz="1750" dirty="0" smtClean="0">
-                <a:solidFill>
-                  <a:srgbClr val="BFBFBF"/>
-                </a:solidFill>
-                <a:latin typeface="Instrument Sans Medium" charset="0"/>
-                <a:ea typeface="Open Sans" pitchFamily="34" charset="-122"/>
-                <a:cs typeface="Open Sans" pitchFamily="34" charset="-120"/>
-              </a:rPr>
-              <a:t> </a:t>
-            </a:r>
-            <a:r>
-              <a:rPr lang="en-US" sz="1750" dirty="0">
-                <a:solidFill>
-                  <a:srgbClr val="BFBFBF"/>
-                </a:solidFill>
-                <a:latin typeface="Instrument Sans Medium" charset="0"/>
-                <a:ea typeface="Open Sans" pitchFamily="34" charset="-122"/>
-                <a:cs typeface="Open Sans" pitchFamily="34" charset="-120"/>
-              </a:rPr>
-              <a:t>유용하고 안전하며 윤리적인 응답을 생성합니다.</a:t>
-            </a:r>
-            <a:endParaRPr lang="en-US" sz="1750" dirty="0">
-              <a:latin typeface="Instrument Sans Medium" charset="0"/>
-            </a:endParaRPr>
-          </a:p>
-        </p:txBody>
-      </p:sp>
-      <p:sp>
-        <p:nvSpPr>
-          <p:cNvPr id="7" name="Shape 4"/>
-          <p:cNvSpPr/>
-          <p:nvPr/>
-        </p:nvSpPr>
-        <p:spPr>
-          <a:xfrm>
-            <a:off x="7428667" y="5403413"/>
-            <a:ext cx="6408063" cy="1683187"/>
-          </a:xfrm>
-          <a:prstGeom prst="roundRect">
-            <a:avLst>
-              <a:gd name="adj" fmla="val 2603"/>
-            </a:avLst>
-          </a:prstGeom>
-          <a:solidFill>
-            <a:srgbClr val="3E3E3E"/>
-          </a:solidFill>
-          <a:ln/>
-        </p:spPr>
-      </p:sp>
-      <p:sp>
-        <p:nvSpPr>
-          <p:cNvPr id="9" name="Text 6"/>
-          <p:cNvSpPr/>
-          <p:nvPr/>
-        </p:nvSpPr>
-        <p:spPr>
-          <a:xfrm>
-            <a:off x="7655481" y="5834896"/>
-            <a:ext cx="5954435" cy="362903"/>
-          </a:xfrm>
-          <a:prstGeom prst="rect">
-            <a:avLst/>
-          </a:prstGeom>
-          <a:noFill/>
-          <a:ln/>
-        </p:spPr>
-        <p:txBody>
-          <a:bodyPr wrap="none" lIns="0" tIns="0" rIns="0" bIns="0" rtlCol="0" anchor="t"/>
-          <a:lstStyle/>
-          <a:p>
-            <a:pPr marL="0" indent="0" algn="ctr">
-              <a:lnSpc>
-                <a:spcPts val="2850"/>
-              </a:lnSpc>
-              <a:buNone/>
-            </a:pPr>
-            <a:r>
-              <a:rPr lang="en-US" sz="1750" dirty="0">
-                <a:solidFill>
-                  <a:srgbClr val="BFBFBF"/>
-                </a:solidFill>
-                <a:latin typeface="Instrument Sans Medium" charset="0"/>
-                <a:ea typeface="Open Sans" pitchFamily="34" charset="-122"/>
-                <a:cs typeface="Open Sans" pitchFamily="34" charset="-120"/>
-              </a:rPr>
-              <a:t>PPO를 통해 보상 해킹을 방지하지만, </a:t>
-            </a:r>
-            <a:endParaRPr lang="en-US" sz="1750" dirty="0" smtClean="0">
-              <a:solidFill>
-                <a:srgbClr val="BFBFBF"/>
-              </a:solidFill>
-              <a:latin typeface="Instrument Sans Medium" charset="0"/>
-              <a:ea typeface="Open Sans" pitchFamily="34" charset="-122"/>
-              <a:cs typeface="Open Sans" pitchFamily="34" charset="-120"/>
-            </a:endParaRPr>
-          </a:p>
-          <a:p>
-            <a:pPr marL="0" indent="0" algn="ctr">
-              <a:lnSpc>
-                <a:spcPts val="2850"/>
-              </a:lnSpc>
-              <a:buNone/>
-            </a:pPr>
-            <a:r>
-              <a:rPr lang="en-US" sz="1750" dirty="0" err="1" smtClean="0">
-                <a:solidFill>
-                  <a:srgbClr val="BFBFBF"/>
-                </a:solidFill>
-                <a:latin typeface="Instrument Sans Medium" charset="0"/>
-                <a:ea typeface="Open Sans" pitchFamily="34" charset="-122"/>
-                <a:cs typeface="Open Sans" pitchFamily="34" charset="-120"/>
-              </a:rPr>
-              <a:t>자원</a:t>
-            </a:r>
-            <a:r>
-              <a:rPr lang="en-US" sz="1750" dirty="0" smtClean="0">
-                <a:solidFill>
-                  <a:srgbClr val="BFBFBF"/>
-                </a:solidFill>
-                <a:latin typeface="Instrument Sans Medium" charset="0"/>
-                <a:ea typeface="Open Sans" pitchFamily="34" charset="-122"/>
-                <a:cs typeface="Open Sans" pitchFamily="34" charset="-120"/>
-              </a:rPr>
-              <a:t> </a:t>
-            </a:r>
-            <a:r>
-              <a:rPr lang="en-US" sz="1750" dirty="0">
-                <a:solidFill>
-                  <a:srgbClr val="BFBFBF"/>
-                </a:solidFill>
-                <a:latin typeface="Instrument Sans Medium" charset="0"/>
-                <a:ea typeface="Open Sans" pitchFamily="34" charset="-122"/>
-                <a:cs typeface="Open Sans" pitchFamily="34" charset="-120"/>
-              </a:rPr>
-              <a:t>소모가 크고 복잡한 과정입니다.</a:t>
-            </a:r>
-            <a:endParaRPr lang="en-US" sz="1750" dirty="0">
-              <a:latin typeface="Instrument Sans Medium" charset="0"/>
-            </a:endParaRPr>
-          </a:p>
-        </p:txBody>
-      </p:sp>
+      <p:pic>
+        <p:nvPicPr>
+          <p:cNvPr id="19" name="그림 18">
+            <a:extLst>
+              <a:ext uri="{FF2B5EF4-FFF2-40B4-BE49-F238E27FC236}">
+                <a16:creationId xmlns:a16="http://schemas.microsoft.com/office/drawing/2014/main" xmlns="" id="{38B00CE0-9AE7-15EA-4B59-0F56E11660FB}"/>
+              </a:ext>
+            </a:extLst>
+          </p:cNvPr>
+          <p:cNvPicPr>
+            <a:picLocks noChangeAspect="1"/>
+          </p:cNvPicPr>
+          <p:nvPr/>
+        </p:nvPicPr>
+        <p:blipFill>
+          <a:blip r:embed="rId4"/>
+          <a:stretch>
+            <a:fillRect/>
+          </a:stretch>
+        </p:blipFill>
+        <p:spPr>
+          <a:xfrm>
+            <a:off x="8548688" y="2483867"/>
+            <a:ext cx="3695700" cy="2085975"/>
+          </a:xfrm>
+          <a:prstGeom prst="rect">
+            <a:avLst/>
+          </a:prstGeom>
+        </p:spPr>
+      </p:pic>
+      <p:pic>
+        <p:nvPicPr>
+          <p:cNvPr id="21" name="그림 20">
+            <a:extLst>
+              <a:ext uri="{FF2B5EF4-FFF2-40B4-BE49-F238E27FC236}">
+                <a16:creationId xmlns:a16="http://schemas.microsoft.com/office/drawing/2014/main" xmlns="" id="{38C80FE9-C09F-31A0-326E-34F6CEF3B593}"/>
+              </a:ext>
+            </a:extLst>
+          </p:cNvPr>
+          <p:cNvPicPr>
+            <a:picLocks noChangeAspect="1"/>
+          </p:cNvPicPr>
+          <p:nvPr/>
+        </p:nvPicPr>
+        <p:blipFill>
+          <a:blip r:embed="rId5"/>
+          <a:stretch>
+            <a:fillRect/>
+          </a:stretch>
+        </p:blipFill>
+        <p:spPr>
+          <a:xfrm>
+            <a:off x="5668328" y="4959404"/>
+            <a:ext cx="3067050" cy="2181225"/>
+          </a:xfrm>
+          <a:prstGeom prst="rect">
+            <a:avLst/>
+          </a:prstGeom>
+        </p:spPr>
+      </p:pic>
     </p:spTree>
   </p:cSld>
   <p:clrMapOvr>
@@ -3732,30 +3890,6 @@
           <a:chExt cx="0" cy="0"/>
         </a:xfrm>
       </p:grpSpPr>
-      <p:pic>
-        <p:nvPicPr>
-          <p:cNvPr id="2" name="Image 0" descr="preencoded.png"/>
-          <p:cNvPicPr>
-            <a:picLocks noChangeAspect="1"/>
-          </p:cNvPicPr>
-          <p:nvPr/>
-        </p:nvPicPr>
-        <p:blipFill>
-          <a:blip r:embed="rId3"/>
-          <a:stretch>
-            <a:fillRect/>
-          </a:stretch>
-        </p:blipFill>
-        <p:spPr>
-          <a:xfrm>
-            <a:off x="0" y="0"/>
-            <a:ext cx="5486400" cy="8229600"/>
-          </a:xfrm>
-          <a:prstGeom prst="rect">
-            <a:avLst/>
-          </a:prstGeom>
-        </p:spPr>
-      </p:pic>
       <p:sp>
         <p:nvSpPr>
           <p:cNvPr id="3" name="Text 0"/>
@@ -3764,7 +3898,7 @@
         </p:nvSpPr>
         <p:spPr>
           <a:xfrm>
-            <a:off x="6280190" y="2872978"/>
+            <a:off x="603290" y="301228"/>
             <a:ext cx="7556421" cy="1417558"/>
           </a:xfrm>
           <a:prstGeom prst="rect">
@@ -3816,14 +3950,6 @@
               </a:rPr>
               <a:t> </a:t>
             </a:r>
-            <a:endParaRPr lang="en-US" sz="4450" dirty="0" smtClean="0">
-              <a:solidFill>
-                <a:srgbClr val="FEFEFE"/>
-              </a:solidFill>
-              <a:latin typeface="Instrument Sans Medium" pitchFamily="34" charset="0"/>
-              <a:ea typeface="Instrument Sans Medium" pitchFamily="34" charset="-122"/>
-              <a:cs typeface="Instrument Sans Medium" pitchFamily="34" charset="-120"/>
-            </a:endParaRPr>
           </a:p>
           <a:p>
             <a:pPr marL="0" indent="0">
@@ -3833,7 +3959,7 @@
               <a:buNone/>
             </a:pPr>
             <a:r>
-              <a:rPr lang="en-US" sz="2800" dirty="0" smtClean="0">
+              <a:rPr lang="en-US" sz="2800" dirty="0">
                 <a:solidFill>
                   <a:srgbClr val="FEFEFE"/>
                 </a:solidFill>
@@ -3841,18 +3967,7 @@
                 <a:ea typeface="Instrument Sans Medium" pitchFamily="34" charset="-122"/>
                 <a:cs typeface="Instrument Sans Medium" pitchFamily="34" charset="-120"/>
               </a:rPr>
-              <a:t>(</a:t>
-            </a:r>
-            <a:r>
-              <a:rPr lang="en-US" sz="2800" dirty="0">
-                <a:solidFill>
-                  <a:srgbClr val="FEFEFE"/>
-                </a:solidFill>
-                <a:latin typeface="Instrument Sans Medium" pitchFamily="34" charset="0"/>
-                <a:ea typeface="Instrument Sans Medium" pitchFamily="34" charset="-122"/>
-                <a:cs typeface="Instrument Sans Medium" pitchFamily="34" charset="-120"/>
-              </a:rPr>
-              <a:t>Rejection Sampling)</a:t>
+              <a:t>(Rejection Sampling)</a:t>
             </a:r>
             <a:endParaRPr lang="en-US" sz="2800" dirty="0"/>
           </a:p>
@@ -3866,7 +3981,7 @@
         </p:nvSpPr>
         <p:spPr>
           <a:xfrm>
-            <a:off x="6280190" y="4630698"/>
+            <a:off x="603290" y="2058948"/>
             <a:ext cx="7556421" cy="725805"/>
           </a:xfrm>
           <a:prstGeom prst="rect">
@@ -3894,12 +4009,179 @@
                 <a:ea typeface="Open Sans" pitchFamily="34" charset="-122"/>
                 <a:cs typeface="Open Sans" pitchFamily="34" charset="-120"/>
               </a:rPr>
-              <a:t>가장 가독성 높은 코드 기반으로 SFT를 수행하여 강화학습을 대체합니다. 자원 소모를 획기적으로 줄이는 효율적인 방법입니다.</a:t>
+              <a:t>가장 가독성 </a:t>
+            </a:r>
+            <a:r>
+              <a:rPr lang="en-US" sz="1750" dirty="0" err="1">
+                <a:solidFill>
+                  <a:srgbClr val="BFBFBF"/>
+                </a:solidFill>
+                <a:latin typeface="Open Sans" pitchFamily="34" charset="0"/>
+                <a:ea typeface="Open Sans" pitchFamily="34" charset="-122"/>
+                <a:cs typeface="Open Sans" pitchFamily="34" charset="-120"/>
+              </a:rPr>
+              <a:t>높은</a:t>
+            </a:r>
+            <a:r>
+              <a:rPr lang="en-US" sz="1750" dirty="0">
+                <a:solidFill>
+                  <a:srgbClr val="BFBFBF"/>
+                </a:solidFill>
+                <a:latin typeface="Open Sans" pitchFamily="34" charset="0"/>
+                <a:ea typeface="Open Sans" pitchFamily="34" charset="-122"/>
+                <a:cs typeface="Open Sans" pitchFamily="34" charset="-120"/>
+              </a:rPr>
+              <a:t> </a:t>
+            </a:r>
+            <a:r>
+              <a:rPr lang="en-US" sz="1750" dirty="0" err="1">
+                <a:solidFill>
+                  <a:srgbClr val="BFBFBF"/>
+                </a:solidFill>
+                <a:latin typeface="Open Sans" pitchFamily="34" charset="0"/>
+                <a:ea typeface="Open Sans" pitchFamily="34" charset="-122"/>
+                <a:cs typeface="Open Sans" pitchFamily="34" charset="-120"/>
+              </a:rPr>
+              <a:t>코드</a:t>
+            </a:r>
+            <a:r>
+              <a:rPr lang="ko-KR" altLang="en-US" sz="1750" dirty="0">
+                <a:solidFill>
+                  <a:srgbClr val="BFBFBF"/>
+                </a:solidFill>
+                <a:latin typeface="Open Sans" pitchFamily="34" charset="0"/>
+                <a:ea typeface="Open Sans" pitchFamily="34" charset="-122"/>
+                <a:cs typeface="Open Sans" pitchFamily="34" charset="-120"/>
+              </a:rPr>
+              <a:t>로 </a:t>
+            </a:r>
+            <a:r>
+              <a:rPr lang="en-US" sz="1750" dirty="0">
+                <a:solidFill>
+                  <a:srgbClr val="BFBFBF"/>
+                </a:solidFill>
+                <a:latin typeface="Open Sans" pitchFamily="34" charset="0"/>
+                <a:ea typeface="Open Sans" pitchFamily="34" charset="-122"/>
+                <a:cs typeface="Open Sans" pitchFamily="34" charset="-120"/>
+              </a:rPr>
+              <a:t> </a:t>
+            </a:r>
+            <a:r>
+              <a:rPr lang="en-US" sz="1750" dirty="0" err="1">
+                <a:solidFill>
+                  <a:srgbClr val="BFBFBF"/>
+                </a:solidFill>
+                <a:latin typeface="Open Sans" pitchFamily="34" charset="0"/>
+                <a:ea typeface="Open Sans" pitchFamily="34" charset="-122"/>
+                <a:cs typeface="Open Sans" pitchFamily="34" charset="-120"/>
+              </a:rPr>
+              <a:t>SFT를</a:t>
+            </a:r>
+            <a:r>
+              <a:rPr lang="en-US" sz="1750" dirty="0">
+                <a:solidFill>
+                  <a:srgbClr val="BFBFBF"/>
+                </a:solidFill>
+                <a:latin typeface="Open Sans" pitchFamily="34" charset="0"/>
+                <a:ea typeface="Open Sans" pitchFamily="34" charset="-122"/>
+                <a:cs typeface="Open Sans" pitchFamily="34" charset="-120"/>
+              </a:rPr>
+              <a:t> </a:t>
+            </a:r>
+            <a:r>
+              <a:rPr lang="en-US" sz="1750" dirty="0" err="1">
+                <a:solidFill>
+                  <a:srgbClr val="BFBFBF"/>
+                </a:solidFill>
+                <a:latin typeface="Open Sans" pitchFamily="34" charset="0"/>
+                <a:ea typeface="Open Sans" pitchFamily="34" charset="-122"/>
+                <a:cs typeface="Open Sans" pitchFamily="34" charset="-120"/>
+              </a:rPr>
+              <a:t>수행</a:t>
+            </a:r>
+            <a:r>
+              <a:rPr lang="ko-KR" altLang="en-US" sz="1750" dirty="0">
+                <a:solidFill>
+                  <a:srgbClr val="BFBFBF"/>
+                </a:solidFill>
+                <a:latin typeface="Open Sans" pitchFamily="34" charset="0"/>
+                <a:ea typeface="Open Sans" pitchFamily="34" charset="-122"/>
+                <a:cs typeface="Open Sans" pitchFamily="34" charset="-120"/>
+              </a:rPr>
+              <a:t>하여 성능을 직접 높임</a:t>
             </a:r>
             <a:endParaRPr lang="en-US" sz="1750" dirty="0"/>
           </a:p>
         </p:txBody>
       </p:sp>
+      <p:sp>
+        <p:nvSpPr>
+          <p:cNvPr id="6" name="TextBox 5">
+            <a:extLst>
+              <a:ext uri="{FF2B5EF4-FFF2-40B4-BE49-F238E27FC236}">
+                <a16:creationId xmlns:a16="http://schemas.microsoft.com/office/drawing/2014/main" xmlns="" id="{9F399D4F-44BC-A9E9-4948-82195F2AF4A8}"/>
+              </a:ext>
+            </a:extLst>
+          </p:cNvPr>
+          <p:cNvSpPr txBox="1"/>
+          <p:nvPr/>
+        </p:nvSpPr>
+        <p:spPr>
+          <a:xfrm>
+            <a:off x="438150" y="2478584"/>
+            <a:ext cx="7315200" cy="646331"/>
+          </a:xfrm>
+          <a:prstGeom prst="rect">
+            <a:avLst/>
+          </a:prstGeom>
+          <a:noFill/>
+        </p:spPr>
+        <p:txBody>
+          <a:bodyPr wrap="square">
+            <a:spAutoFit/>
+          </a:bodyPr>
+          <a:lstStyle/>
+          <a:p>
+            <a:r>
+              <a:rPr lang="en-US" altLang="ko-KR" dirty="0">
+                <a:hlinkClick r:id="rId3"/>
+              </a:rPr>
+              <a:t>Best of N sampling: Alternative ways to get better model output without RL based fine-tuning</a:t>
+            </a:r>
+            <a:endParaRPr lang="ko-KR" altLang="en-US" dirty="0"/>
+          </a:p>
+        </p:txBody>
+      </p:sp>
+      <p:pic>
+        <p:nvPicPr>
+          <p:cNvPr id="8" name="그림 7">
+            <a:extLst>
+              <a:ext uri="{FF2B5EF4-FFF2-40B4-BE49-F238E27FC236}">
+                <a16:creationId xmlns:a16="http://schemas.microsoft.com/office/drawing/2014/main" xmlns="" id="{E1BC76F2-1D74-1D85-37EB-98A3503899FD}"/>
+              </a:ext>
+            </a:extLst>
+          </p:cNvPr>
+          <p:cNvPicPr>
+            <a:picLocks noChangeAspect="1"/>
+          </p:cNvPicPr>
+          <p:nvPr/>
+        </p:nvPicPr>
+        <p:blipFill>
+          <a:blip r:embed="rId4"/>
+          <a:stretch>
+            <a:fillRect/>
+          </a:stretch>
+        </p:blipFill>
+        <p:spPr>
+          <a:xfrm>
+            <a:off x="3462337" y="3258087"/>
+            <a:ext cx="7705725" cy="4048125"/>
+          </a:xfrm>
+          <a:prstGeom prst="rect">
+            <a:avLst/>
+          </a:prstGeom>
+        </p:spPr>
+      </p:pic>
     </p:spTree>
   </p:cSld>
   <p:clrMapOvr>
@@ -3925,9 +4207,321 @@
           <a:chExt cx="0" cy="0"/>
         </a:xfrm>
       </p:grpSpPr>
+      <p:sp>
+        <p:nvSpPr>
+          <p:cNvPr id="3" name="Text 0"/>
+          <p:cNvSpPr/>
+          <p:nvPr/>
+        </p:nvSpPr>
+        <p:spPr>
+          <a:xfrm>
+            <a:off x="793790" y="789027"/>
+            <a:ext cx="5670590" cy="708779"/>
+          </a:xfrm>
+          <a:prstGeom prst="rect">
+            <a:avLst/>
+          </a:prstGeom>
+          <a:noFill/>
+          <a:ln/>
+        </p:spPr>
+        <p:txBody>
+          <a:bodyPr wrap="none" lIns="0" tIns="0" rIns="0" bIns="0" rtlCol="0" anchor="t"/>
+          <a:lstStyle/>
+          <a:p>
+            <a:pPr marL="0" indent="0">
+              <a:lnSpc>
+                <a:spcPts val="5550"/>
+              </a:lnSpc>
+              <a:buNone/>
+            </a:pPr>
+            <a:r>
+              <a:rPr lang="en-US" sz="4450" dirty="0">
+                <a:solidFill>
+                  <a:srgbClr val="FEFEFE"/>
+                </a:solidFill>
+                <a:latin typeface="Instrument Sans Medium" pitchFamily="34" charset="0"/>
+                <a:ea typeface="Instrument Sans Medium" pitchFamily="34" charset="-122"/>
+                <a:cs typeface="Instrument Sans Medium" pitchFamily="34" charset="-120"/>
+              </a:rPr>
+              <a:t>직접 선호도 최적화 (DPO)</a:t>
+            </a:r>
+            <a:endParaRPr lang="en-US" sz="4450" dirty="0"/>
+          </a:p>
+        </p:txBody>
+      </p:sp>
+      <p:sp>
+        <p:nvSpPr>
+          <p:cNvPr id="4" name="Text 1"/>
+          <p:cNvSpPr/>
+          <p:nvPr/>
+        </p:nvSpPr>
+        <p:spPr>
+          <a:xfrm>
+            <a:off x="643932" y="1837968"/>
+            <a:ext cx="13774376" cy="725805"/>
+          </a:xfrm>
+          <a:prstGeom prst="rect">
+            <a:avLst/>
+          </a:prstGeom>
+          <a:noFill/>
+          <a:ln/>
+        </p:spPr>
+        <p:txBody>
+          <a:bodyPr wrap="square" lIns="0" tIns="0" rIns="0" bIns="0" rtlCol="0" anchor="t"/>
+          <a:lstStyle/>
+          <a:p>
+            <a:pPr marL="0" indent="0">
+              <a:lnSpc>
+                <a:spcPts val="2850"/>
+              </a:lnSpc>
+              <a:buNone/>
+            </a:pPr>
+            <a:r>
+              <a:rPr lang="ko-KR" altLang="en-US" sz="1750" dirty="0">
+                <a:solidFill>
+                  <a:srgbClr val="BFBFBF"/>
+                </a:solidFill>
+                <a:latin typeface="Open Sans" pitchFamily="34" charset="0"/>
+                <a:ea typeface="Open Sans" pitchFamily="34" charset="-122"/>
+                <a:cs typeface="Open Sans" pitchFamily="34" charset="-120"/>
+              </a:rPr>
+              <a:t>하지만 사람의 피드백을 받기위해 채점기능을 개발하는데 시간이 걸리며</a:t>
+            </a:r>
+            <a:r>
+              <a:rPr lang="en-US" altLang="ko-KR" sz="1750" dirty="0">
+                <a:solidFill>
+                  <a:srgbClr val="BFBFBF"/>
+                </a:solidFill>
+                <a:latin typeface="Open Sans" pitchFamily="34" charset="0"/>
+                <a:ea typeface="Open Sans" pitchFamily="34" charset="-122"/>
+                <a:cs typeface="Open Sans" pitchFamily="34" charset="-120"/>
+              </a:rPr>
+              <a:t>, </a:t>
+            </a:r>
+            <a:r>
+              <a:rPr lang="ko-KR" altLang="en-US" sz="1750" dirty="0">
+                <a:solidFill>
+                  <a:srgbClr val="BFBFBF"/>
+                </a:solidFill>
+                <a:latin typeface="Open Sans" pitchFamily="34" charset="0"/>
+                <a:ea typeface="Open Sans" pitchFamily="34" charset="-122"/>
+                <a:cs typeface="Open Sans" pitchFamily="34" charset="-120"/>
+              </a:rPr>
+              <a:t>새로운 프로그래밍 언어가 추가되면 확인 필요</a:t>
+            </a:r>
+            <a:endParaRPr lang="en-US" altLang="ko-KR" sz="1750" dirty="0">
+              <a:solidFill>
+                <a:srgbClr val="BFBFBF"/>
+              </a:solidFill>
+              <a:latin typeface="Open Sans" pitchFamily="34" charset="0"/>
+              <a:ea typeface="Open Sans" pitchFamily="34" charset="-122"/>
+              <a:cs typeface="Open Sans" pitchFamily="34" charset="-120"/>
+            </a:endParaRPr>
+          </a:p>
+          <a:p>
+            <a:pPr marL="0" indent="0">
+              <a:lnSpc>
+                <a:spcPts val="2850"/>
+              </a:lnSpc>
+              <a:buNone/>
+            </a:pPr>
+            <a:endParaRPr lang="en-US" sz="1750" dirty="0">
+              <a:solidFill>
+                <a:srgbClr val="BFBFBF"/>
+              </a:solidFill>
+              <a:latin typeface="Open Sans" pitchFamily="34" charset="0"/>
+              <a:ea typeface="Open Sans" pitchFamily="34" charset="-122"/>
+              <a:cs typeface="Open Sans" pitchFamily="34" charset="-120"/>
+            </a:endParaRPr>
+          </a:p>
+          <a:p>
+            <a:pPr marL="0" indent="0">
+              <a:lnSpc>
+                <a:spcPts val="2850"/>
+              </a:lnSpc>
+              <a:buNone/>
+            </a:pPr>
+            <a:r>
+              <a:rPr lang="ko-KR" altLang="en-US" sz="1750" dirty="0">
+                <a:solidFill>
+                  <a:srgbClr val="BFBFBF"/>
+                </a:solidFill>
+                <a:latin typeface="Open Sans" pitchFamily="34" charset="0"/>
+                <a:cs typeface="Open Sans" pitchFamily="34" charset="-120"/>
+              </a:rPr>
+              <a:t>→ 가독성 좋은 코드와 그렇지 않은 코드</a:t>
+            </a:r>
+            <a:r>
+              <a:rPr lang="en-US" altLang="ko-KR" sz="1750" dirty="0">
+                <a:solidFill>
+                  <a:srgbClr val="BFBFBF"/>
+                </a:solidFill>
+                <a:latin typeface="Open Sans" pitchFamily="34" charset="0"/>
+                <a:cs typeface="Open Sans" pitchFamily="34" charset="-120"/>
+              </a:rPr>
+              <a:t> </a:t>
+            </a:r>
+            <a:r>
+              <a:rPr lang="ko-KR" altLang="en-US" sz="1750" dirty="0">
+                <a:solidFill>
+                  <a:srgbClr val="BFBFBF"/>
+                </a:solidFill>
+                <a:latin typeface="Open Sans" pitchFamily="34" charset="0"/>
+                <a:cs typeface="Open Sans" pitchFamily="34" charset="-120"/>
+              </a:rPr>
+              <a:t>최종 언어모델이 직접 학습하면 어떨까</a:t>
+            </a:r>
+            <a:r>
+              <a:rPr lang="en-US" altLang="ko-KR" sz="1750" dirty="0">
+                <a:solidFill>
+                  <a:srgbClr val="BFBFBF"/>
+                </a:solidFill>
+                <a:latin typeface="Open Sans" pitchFamily="34" charset="0"/>
+                <a:cs typeface="Open Sans" pitchFamily="34" charset="-120"/>
+              </a:rPr>
+              <a:t>?</a:t>
+            </a:r>
+          </a:p>
+          <a:p>
+            <a:pPr marL="0" indent="0">
+              <a:lnSpc>
+                <a:spcPts val="2850"/>
+              </a:lnSpc>
+              <a:buNone/>
+            </a:pPr>
+            <a:r>
+              <a:rPr lang="ko-KR" altLang="en-US" sz="1750" i="1" dirty="0">
+                <a:solidFill>
+                  <a:srgbClr val="BFBFBF"/>
+                </a:solidFill>
+                <a:latin typeface="Open Sans" pitchFamily="34" charset="0"/>
+                <a:cs typeface="Open Sans" pitchFamily="34" charset="-120"/>
+              </a:rPr>
+              <a:t>큰 모델에서도 적용이 </a:t>
+            </a:r>
+            <a:r>
+              <a:rPr lang="ko-KR" altLang="en-US" sz="1750" i="1" dirty="0" err="1">
+                <a:solidFill>
+                  <a:srgbClr val="BFBFBF"/>
+                </a:solidFill>
+                <a:latin typeface="Open Sans" pitchFamily="34" charset="0"/>
+                <a:cs typeface="Open Sans" pitchFamily="34" charset="-120"/>
+              </a:rPr>
+              <a:t>되는지의</a:t>
+            </a:r>
+            <a:r>
+              <a:rPr lang="ko-KR" altLang="en-US" sz="1750" i="1" dirty="0">
+                <a:solidFill>
+                  <a:srgbClr val="BFBFBF"/>
+                </a:solidFill>
+                <a:latin typeface="Open Sans" pitchFamily="34" charset="0"/>
+                <a:cs typeface="Open Sans" pitchFamily="34" charset="-120"/>
+              </a:rPr>
+              <a:t> 여부가 추가확인 필요하며</a:t>
+            </a:r>
+            <a:r>
+              <a:rPr lang="en-US" altLang="ko-KR" sz="1750" i="1" dirty="0">
+                <a:solidFill>
+                  <a:srgbClr val="BFBFBF"/>
+                </a:solidFill>
+                <a:latin typeface="Open Sans" pitchFamily="34" charset="0"/>
+                <a:cs typeface="Open Sans" pitchFamily="34" charset="-120"/>
+              </a:rPr>
+              <a:t>, SFT</a:t>
+            </a:r>
+            <a:r>
+              <a:rPr lang="ko-KR" altLang="en-US" sz="1750" i="1" dirty="0">
+                <a:solidFill>
+                  <a:srgbClr val="BFBFBF"/>
+                </a:solidFill>
+                <a:latin typeface="Open Sans" pitchFamily="34" charset="0"/>
+                <a:cs typeface="Open Sans" pitchFamily="34" charset="-120"/>
+              </a:rPr>
+              <a:t>를 </a:t>
+            </a:r>
+            <a:r>
+              <a:rPr lang="ko-KR" altLang="en-US" sz="1750" i="1" dirty="0" err="1">
+                <a:solidFill>
+                  <a:srgbClr val="BFBFBF"/>
+                </a:solidFill>
+                <a:latin typeface="Open Sans" pitchFamily="34" charset="0"/>
+                <a:cs typeface="Open Sans" pitchFamily="34" charset="-120"/>
+              </a:rPr>
+              <a:t>거친후</a:t>
+            </a:r>
+            <a:r>
+              <a:rPr lang="ko-KR" altLang="en-US" sz="1750" i="1" dirty="0">
+                <a:solidFill>
+                  <a:srgbClr val="BFBFBF"/>
+                </a:solidFill>
+                <a:latin typeface="Open Sans" pitchFamily="34" charset="0"/>
+                <a:cs typeface="Open Sans" pitchFamily="34" charset="-120"/>
+              </a:rPr>
+              <a:t> </a:t>
+            </a:r>
+            <a:r>
+              <a:rPr lang="en-US" altLang="ko-KR" sz="1750" i="1" dirty="0">
+                <a:solidFill>
+                  <a:srgbClr val="BFBFBF"/>
+                </a:solidFill>
+                <a:latin typeface="Open Sans" pitchFamily="34" charset="0"/>
+                <a:cs typeface="Open Sans" pitchFamily="34" charset="-120"/>
+              </a:rPr>
+              <a:t>DPO</a:t>
+            </a:r>
+            <a:r>
+              <a:rPr lang="ko-KR" altLang="en-US" sz="1750" i="1" dirty="0">
+                <a:solidFill>
+                  <a:srgbClr val="BFBFBF"/>
+                </a:solidFill>
+                <a:latin typeface="Open Sans" pitchFamily="34" charset="0"/>
+                <a:cs typeface="Open Sans" pitchFamily="34" charset="-120"/>
+              </a:rPr>
+              <a:t>를 진행해야 성능이 증가 </a:t>
+            </a:r>
+            <a:r>
+              <a:rPr lang="en-US" altLang="ko-KR" sz="1750" i="1" dirty="0">
+                <a:solidFill>
+                  <a:srgbClr val="BFBFBF"/>
+                </a:solidFill>
+                <a:latin typeface="Open Sans" pitchFamily="34" charset="0"/>
+                <a:cs typeface="Open Sans" pitchFamily="34" charset="-120"/>
+              </a:rPr>
+              <a:t>(</a:t>
+            </a:r>
+            <a:r>
+              <a:rPr lang="ko-KR" altLang="en-US" sz="1750" i="1" dirty="0">
+                <a:solidFill>
+                  <a:srgbClr val="BFBFBF"/>
+                </a:solidFill>
+                <a:latin typeface="Open Sans" pitchFamily="34" charset="0"/>
+                <a:cs typeface="Open Sans" pitchFamily="34" charset="-120"/>
+              </a:rPr>
+              <a:t>지시사항과 응답 구분 필요</a:t>
+            </a:r>
+            <a:r>
+              <a:rPr lang="en-US" altLang="ko-KR" sz="1750" i="1" dirty="0">
+                <a:solidFill>
+                  <a:srgbClr val="BFBFBF"/>
+                </a:solidFill>
+                <a:latin typeface="Open Sans" pitchFamily="34" charset="0"/>
+                <a:cs typeface="Open Sans" pitchFamily="34" charset="-120"/>
+              </a:rPr>
+              <a:t>)</a:t>
+            </a:r>
+            <a:endParaRPr lang="en-US" sz="1750" i="1" dirty="0"/>
+          </a:p>
+        </p:txBody>
+      </p:sp>
       <p:pic>
         <p:nvPicPr>
-          <p:cNvPr id="2" name="Image 0" descr="preencoded.png"/>
+          <p:cNvPr id="6" name="그림 5">
+            <a:extLst>
+              <a:ext uri="{FF2B5EF4-FFF2-40B4-BE49-F238E27FC236}">
+                <a16:creationId xmlns:a16="http://schemas.microsoft.com/office/drawing/2014/main" xmlns="" id="{1C19A9D5-610C-3867-9AFE-A51BBBA021ED}"/>
+              </a:ext>
+            </a:extLst>
+          </p:cNvPr>
           <p:cNvPicPr>
             <a:picLocks noChangeAspect="1"/>
           </p:cNvPicPr>
@@ -3941,8 +4535,8 @@
         </p:blipFill>
         <p:spPr>
           <a:xfrm>
-            <a:off x="9144000" y="0"/>
-            <a:ext cx="5486400" cy="8229600"/>
+            <a:off x="959860" y="3513177"/>
+            <a:ext cx="12356090" cy="2876550"/>
           </a:xfrm>
           <a:prstGeom prst="rect">
             <a:avLst/>
@@ -3951,85 +4545,72 @@
       </p:pic>
       <p:sp>
         <p:nvSpPr>
-          <p:cNvPr id="3" name="Text 0"/>
-          <p:cNvSpPr/>
-          <p:nvPr/>
-        </p:nvSpPr>
-        <p:spPr>
-          <a:xfrm>
-            <a:off x="793790" y="3227427"/>
-            <a:ext cx="5670590" cy="708779"/>
+          <p:cNvPr id="8" name="TextBox 7">
+            <a:extLst>
+              <a:ext uri="{FF2B5EF4-FFF2-40B4-BE49-F238E27FC236}">
+                <a16:creationId xmlns:a16="http://schemas.microsoft.com/office/drawing/2014/main" xmlns="" id="{D627016E-987B-B26A-85E4-B45F8709A4E7}"/>
+              </a:ext>
+            </a:extLst>
+          </p:cNvPr>
+          <p:cNvSpPr txBox="1"/>
+          <p:nvPr/>
+        </p:nvSpPr>
+        <p:spPr>
+          <a:xfrm>
+            <a:off x="762000" y="6490811"/>
+            <a:ext cx="7315200" cy="646331"/>
           </a:xfrm>
           <a:prstGeom prst="rect">
             <a:avLst/>
           </a:prstGeom>
           <a:noFill/>
-          <a:ln/>
-        </p:spPr>
-        <p:txBody>
-          <a:bodyPr wrap="none" lIns="0" tIns="0" rIns="0" bIns="0" rtlCol="0" anchor="t"/>
+        </p:spPr>
+        <p:txBody>
+          <a:bodyPr wrap="square">
+            <a:spAutoFit/>
+          </a:bodyPr>
           <a:lstStyle/>
           <a:p>
-            <a:pPr marL="0" indent="0">
-              <a:lnSpc>
-                <a:spcPts val="5550"/>
-              </a:lnSpc>
-              <a:buNone/>
-            </a:pPr>
-            <a:r>
-              <a:rPr lang="en-US" sz="4450" dirty="0">
-                <a:solidFill>
-                  <a:srgbClr val="FEFEFE"/>
-                </a:solidFill>
-                <a:latin typeface="Instrument Sans Medium" pitchFamily="34" charset="0"/>
-                <a:ea typeface="Instrument Sans Medium" pitchFamily="34" charset="-122"/>
-                <a:cs typeface="Instrument Sans Medium" pitchFamily="34" charset="-120"/>
-              </a:rPr>
-              <a:t>직접 선호도 최적화 (DPO)</a:t>
-            </a:r>
-            <a:endParaRPr lang="en-US" sz="4450" dirty="0"/>
-          </a:p>
-        </p:txBody>
-      </p:sp>
-      <p:sp>
-        <p:nvSpPr>
-          <p:cNvPr id="4" name="Text 1"/>
-          <p:cNvSpPr/>
-          <p:nvPr/>
-        </p:nvSpPr>
-        <p:spPr>
-          <a:xfrm>
-            <a:off x="793790" y="4276368"/>
-            <a:ext cx="7556421" cy="725805"/>
-          </a:xfrm>
-          <a:prstGeom prst="rect">
-            <a:avLst/>
-          </a:prstGeom>
-          <a:noFill/>
-          <a:ln/>
-        </p:spPr>
-        <p:txBody>
-          <a:bodyPr wrap="square" lIns="0" tIns="0" rIns="0" bIns="0" rtlCol="0" anchor="t"/>
-          <a:lstStyle/>
-          <a:p>
-            <a:pPr marL="0" indent="0">
-              <a:lnSpc>
-                <a:spcPts val="2850"/>
-              </a:lnSpc>
-              <a:buNone/>
-            </a:pPr>
-            <a:r>
-              <a:rPr lang="en-US" sz="1750" dirty="0">
-                <a:solidFill>
-                  <a:srgbClr val="BFBFBF"/>
-                </a:solidFill>
-                <a:latin typeface="Open Sans" pitchFamily="34" charset="0"/>
-                <a:ea typeface="Open Sans" pitchFamily="34" charset="-122"/>
-                <a:cs typeface="Open Sans" pitchFamily="34" charset="-120"/>
-              </a:rPr>
-              <a:t>기존 RLHF와 달리 보상 모델을 제거하고, 선호 데이터를 직접 사용하여 정책을 최적화합니다. 훨씬 간단하고 효율적인 방법입니다.</a:t>
-            </a:r>
-            <a:endParaRPr lang="en-US" sz="1750" dirty="0"/>
+            <a:r>
+              <a:rPr lang="en-US" altLang="ko-KR" dirty="0">
+                <a:solidFill>
+                  <a:schemeClr val="bg1"/>
+                </a:solidFill>
+              </a:rPr>
+              <a:t>&lt;</a:t>
+            </a:r>
+            <a:r>
+              <a:rPr lang="ko-KR" altLang="en-US" dirty="0">
+                <a:solidFill>
+                  <a:schemeClr val="bg1"/>
+                </a:solidFill>
+              </a:rPr>
+              <a:t>당신의 언어모델은 </a:t>
+            </a:r>
+            <a:r>
+              <a:rPr lang="ko-KR" altLang="en-US" dirty="0" err="1">
+                <a:solidFill>
+                  <a:schemeClr val="bg1"/>
+                </a:solidFill>
+              </a:rPr>
+              <a:t>리워드모델이기도하다</a:t>
+            </a:r>
+            <a:r>
+              <a:rPr lang="en-US" altLang="ko-KR" dirty="0">
+                <a:solidFill>
+                  <a:schemeClr val="bg1"/>
+                </a:solidFill>
+              </a:rPr>
+              <a:t>&gt;</a:t>
+            </a:r>
+            <a:r>
+              <a:rPr lang="ko-KR" altLang="en-US" dirty="0">
+                <a:solidFill>
+                  <a:schemeClr val="bg1"/>
+                </a:solidFill>
+              </a:rPr>
+              <a:t> 논문https://arxiv.org/abs/2305.18290</a:t>
+            </a:r>
           </a:p>
         </p:txBody>
       </p:sp>
@@ -4460,14 +5041,6 @@
               </a:rPr>
               <a:t> </a:t>
             </a:r>
-            <a:endParaRPr lang="en-US" sz="1750" dirty="0" smtClean="0">
-              <a:solidFill>
-                <a:srgbClr val="BFBFBF"/>
-              </a:solidFill>
-              <a:latin typeface="Open Sans" pitchFamily="34" charset="0"/>
-              <a:ea typeface="Open Sans" pitchFamily="34" charset="-122"/>
-              <a:cs typeface="Open Sans" pitchFamily="34" charset="-120"/>
-            </a:endParaRPr>
           </a:p>
           <a:p>
             <a:pPr marL="0" indent="0">
@@ -4477,7 +5050,7 @@
               <a:buNone/>
             </a:pPr>
             <a:r>
-              <a:rPr lang="en-US" sz="1750" dirty="0" err="1" smtClean="0">
+              <a:rPr lang="en-US" sz="1750" dirty="0" err="1">
                 <a:solidFill>
                   <a:srgbClr val="BFBFBF"/>
                 </a:solidFill>
@@ -4488,7 +5061,7 @@
               <a:t>지시</a:t>
             </a:r>
             <a:r>
-              <a:rPr lang="en-US" sz="1750" dirty="0" smtClean="0">
+              <a:rPr lang="en-US" sz="1750" dirty="0">
                 <a:solidFill>
                   <a:srgbClr val="BFBFBF"/>
                 </a:solidFill>
@@ -4520,14 +5093,6 @@
               </a:rPr>
               <a:t> </a:t>
             </a:r>
-            <a:endParaRPr lang="en-US" sz="1750" dirty="0" smtClean="0">
-              <a:solidFill>
-                <a:srgbClr val="BFBFBF"/>
-              </a:solidFill>
-              <a:latin typeface="Open Sans" pitchFamily="34" charset="0"/>
-              <a:ea typeface="Open Sans" pitchFamily="34" charset="-122"/>
-              <a:cs typeface="Open Sans" pitchFamily="34" charset="-120"/>
-            </a:endParaRPr>
           </a:p>
           <a:p>
             <a:pPr marL="0" indent="0">
@@ -4537,7 +5102,7 @@
               <a:buNone/>
             </a:pPr>
             <a:r>
-              <a:rPr lang="en-US" sz="1750" dirty="0" err="1" smtClean="0">
+              <a:rPr lang="en-US" sz="1750" dirty="0" err="1">
                 <a:solidFill>
                   <a:srgbClr val="BFBFBF"/>
                 </a:solidFill>
@@ -4548,7 +5113,7 @@
               <a:t>모델을</a:t>
             </a:r>
             <a:r>
-              <a:rPr lang="en-US" sz="1750" dirty="0" smtClean="0">
+              <a:rPr lang="en-US" sz="1750" dirty="0">
                 <a:solidFill>
                   <a:srgbClr val="BFBFBF"/>
                 </a:solidFill>
@@ -4556,18 +5121,7 @@
                 <a:ea typeface="Open Sans" pitchFamily="34" charset="-122"/>
                 <a:cs typeface="Open Sans" pitchFamily="34" charset="-120"/>
               </a:rPr>
-              <a:t> </a:t>
-            </a:r>
-            <a:r>
-              <a:rPr lang="en-US" sz="1750" dirty="0">
-                <a:solidFill>
-                  <a:srgbClr val="BFBFBF"/>
-                </a:solidFill>
-                <a:latin typeface="Open Sans" pitchFamily="34" charset="0"/>
-                <a:ea typeface="Open Sans" pitchFamily="34" charset="-122"/>
-                <a:cs typeface="Open Sans" pitchFamily="34" charset="-120"/>
-              </a:rPr>
-              <a:t>미세 조정합니다.</a:t>
+              <a:t> 미세 조정합니다.</a:t>
             </a:r>
             <a:endParaRPr lang="en-US" sz="1750" dirty="0"/>
           </a:p>
@@ -5529,7 +6083,7 @@
               <a:buNone/>
             </a:pPr>
             <a:r>
-              <a:rPr lang="en-US" sz="2600" dirty="0" smtClean="0">
+              <a:rPr lang="en-US" sz="2600" dirty="0">
                 <a:solidFill>
                   <a:srgbClr val="BFBFBF"/>
                 </a:solidFill>
@@ -5571,7 +6125,7 @@
               <a:buNone/>
             </a:pPr>
             <a:r>
-              <a:rPr lang="en-US" sz="2150" dirty="0" smtClean="0">
+              <a:rPr lang="en-US" sz="2150" dirty="0">
                 <a:solidFill>
                   <a:srgbClr val="BFBFBF"/>
                 </a:solidFill>
@@ -5582,7 +6136,7 @@
               <a:t>0. </a:t>
             </a:r>
             <a:r>
-              <a:rPr lang="ko-KR" altLang="en-US" sz="2150" dirty="0" smtClean="0">
+              <a:rPr lang="ko-KR" altLang="en-US" sz="2150" dirty="0">
                 <a:solidFill>
                   <a:srgbClr val="BFBFBF"/>
                 </a:solidFill>
@@ -5593,7 +6147,7 @@
               <a:t>사전학습 </a:t>
             </a:r>
             <a:r>
-              <a:rPr lang="en-US" altLang="ko-KR" sz="2150" dirty="0" smtClean="0">
+              <a:rPr lang="en-US" altLang="ko-KR" sz="2150" dirty="0">
                 <a:solidFill>
                   <a:srgbClr val="BFBFBF"/>
                 </a:solidFill>
@@ -5604,7 +6158,7 @@
               <a:t>(</a:t>
             </a:r>
             <a:r>
-              <a:rPr lang="en-US" altLang="ko-KR" sz="2150" dirty="0" err="1" smtClean="0">
+              <a:rPr lang="en-US" altLang="ko-KR" sz="2150" dirty="0" err="1">
                 <a:solidFill>
                   <a:srgbClr val="BFBFBF"/>
                 </a:solidFill>
@@ -5615,7 +6169,7 @@
               <a:t>Pretraining</a:t>
             </a:r>
             <a:r>
-              <a:rPr lang="en-US" altLang="ko-KR" sz="2150" dirty="0" smtClean="0">
+              <a:rPr lang="en-US" altLang="ko-KR" sz="2150" dirty="0">
                 <a:solidFill>
                   <a:srgbClr val="BFBFBF"/>
                 </a:solidFill>
@@ -5681,7 +6235,7 @@
               </a:lnSpc>
             </a:pPr>
             <a:r>
-              <a:rPr lang="en-US" altLang="ko-KR" sz="4800" dirty="0" smtClean="0">
+              <a:rPr lang="en-US" altLang="ko-KR" sz="4800" dirty="0">
                 <a:solidFill>
                   <a:srgbClr val="BFBFBF"/>
                 </a:solidFill>
@@ -5692,7 +6246,7 @@
               <a:t>0. </a:t>
             </a:r>
             <a:r>
-              <a:rPr lang="ko-KR" altLang="en-US" sz="4800" dirty="0" smtClean="0">
+              <a:rPr lang="ko-KR" altLang="en-US" sz="4800" dirty="0">
                 <a:solidFill>
                   <a:srgbClr val="BFBFBF"/>
                 </a:solidFill>
@@ -5703,7 +6257,7 @@
               <a:t>사전학습 </a:t>
             </a:r>
             <a:r>
-              <a:rPr lang="en-US" altLang="ko-KR" sz="4800" dirty="0" smtClean="0">
+              <a:rPr lang="en-US" altLang="ko-KR" sz="4800" dirty="0">
                 <a:solidFill>
                   <a:srgbClr val="BFBFBF"/>
                 </a:solidFill>
@@ -5714,7 +6268,7 @@
               <a:t>(</a:t>
             </a:r>
             <a:r>
-              <a:rPr lang="en-US" altLang="ko-KR" sz="4800" dirty="0" err="1" smtClean="0">
+              <a:rPr lang="en-US" altLang="ko-KR" sz="4800" dirty="0" err="1">
                 <a:solidFill>
                   <a:srgbClr val="BFBFBF"/>
                 </a:solidFill>
@@ -5725,7 +6279,7 @@
               <a:t>Pretraining</a:t>
             </a:r>
             <a:r>
-              <a:rPr lang="en-US" altLang="ko-KR" sz="4800" dirty="0" smtClean="0">
+              <a:rPr lang="en-US" altLang="ko-KR" sz="4800" dirty="0">
                 <a:solidFill>
                   <a:srgbClr val="BFBFBF"/>
                 </a:solidFill>
@@ -5809,7 +6363,7 @@
           <a:lstStyle/>
           <a:p>
             <a:r>
-              <a:rPr lang="en-US" altLang="ko-KR" sz="2400" dirty="0" smtClean="0">
+              <a:rPr lang="en-US" altLang="ko-KR" sz="2400" dirty="0">
                 <a:solidFill>
                   <a:srgbClr val="BFBFBF"/>
                 </a:solidFill>
@@ -5819,7 +6373,7 @@
               <a:t>Common Crawl </a:t>
             </a:r>
             <a:r>
-              <a:rPr lang="ko-KR" altLang="en-US" sz="2400" dirty="0" smtClean="0">
+              <a:rPr lang="ko-KR" altLang="en-US" sz="2400" dirty="0">
                 <a:solidFill>
                   <a:srgbClr val="BFBFBF"/>
                 </a:solidFill>
@@ -5829,7 +6383,7 @@
               <a:t>데이터셋</a:t>
             </a:r>
             <a:r>
-              <a:rPr lang="en-US" altLang="ko-KR" sz="2400" dirty="0" smtClean="0">
+              <a:rPr lang="en-US" altLang="ko-KR" sz="2400" dirty="0">
                 <a:solidFill>
                   <a:srgbClr val="BFBFBF"/>
                 </a:solidFill>
@@ -5839,7 +6393,7 @@
               <a:t>(</a:t>
             </a:r>
             <a:r>
-              <a:rPr lang="en-US" altLang="ko-KR" sz="2400" dirty="0" smtClean="0">
+              <a:rPr lang="en-US" altLang="ko-KR" sz="2400" dirty="0">
                 <a:solidFill>
                   <a:srgbClr val="BFBFBF"/>
                 </a:solidFill>
@@ -5850,7 +6404,7 @@
               <a:t>https://commoncrawl.org</a:t>
             </a:r>
             <a:r>
-              <a:rPr lang="en-US" altLang="ko-KR" sz="2400" dirty="0" smtClean="0">
+              <a:rPr lang="en-US" altLang="ko-KR" sz="2400" dirty="0">
                 <a:solidFill>
                   <a:srgbClr val="BFBFBF"/>
                 </a:solidFill>
@@ -5862,7 +6416,7 @@
           </a:p>
           <a:p>
             <a:r>
-              <a:rPr lang="en-US" altLang="ko-KR" sz="2400" dirty="0" smtClean="0">
+              <a:rPr lang="en-US" altLang="ko-KR" sz="2400" dirty="0">
                 <a:solidFill>
                   <a:srgbClr val="BFBFBF"/>
                 </a:solidFill>
@@ -5872,7 +6426,7 @@
               <a:t>Google</a:t>
             </a:r>
             <a:r>
-              <a:rPr lang="ko-KR" altLang="en-US" sz="2400" dirty="0" smtClean="0">
+              <a:rPr lang="ko-KR" altLang="en-US" sz="2400" dirty="0">
                 <a:solidFill>
                   <a:srgbClr val="BFBFBF"/>
                 </a:solidFill>
@@ -5882,7 +6436,7 @@
               <a:t>은 이를 정제한 버전인 </a:t>
             </a:r>
             <a:r>
-              <a:rPr lang="en-US" altLang="ko-KR" sz="2400" dirty="0" smtClean="0">
+              <a:rPr lang="en-US" altLang="ko-KR" sz="2400" dirty="0">
                 <a:solidFill>
                   <a:srgbClr val="BFBFBF"/>
                 </a:solidFill>
@@ -5892,7 +6446,7 @@
               <a:t>[Colossal Clean Crawled Corpus(</a:t>
             </a:r>
             <a:r>
-              <a:rPr lang="en-US" altLang="ko-KR" sz="2400" dirty="0" err="1" smtClean="0">
+              <a:rPr lang="en-US" altLang="ko-KR" sz="2400" dirty="0" err="1">
                 <a:solidFill>
                   <a:srgbClr val="BFBFBF"/>
                 </a:solidFill>
@@ -5902,7 +6456,7 @@
               <a:t>C4</a:t>
             </a:r>
             <a:r>
-              <a:rPr lang="en-US" altLang="ko-KR" sz="2400" dirty="0" smtClean="0">
+              <a:rPr lang="en-US" altLang="ko-KR" sz="2400" dirty="0">
                 <a:solidFill>
                   <a:srgbClr val="BFBFBF"/>
                 </a:solidFill>
@@ -5912,7 +6466,7 @@
               <a:t>)] </a:t>
             </a:r>
             <a:r>
-              <a:rPr lang="ko-KR" altLang="en-US" sz="2400" dirty="0" smtClean="0">
+              <a:rPr lang="ko-KR" altLang="en-US" sz="2400" dirty="0">
                 <a:solidFill>
                   <a:srgbClr val="BFBFBF"/>
                 </a:solidFill>
@@ -5922,7 +6476,7 @@
               <a:t>정리 </a:t>
             </a:r>
             <a:r>
-              <a:rPr lang="en-US" altLang="ko-KR" sz="2400" dirty="0" smtClean="0">
+              <a:rPr lang="en-US" altLang="ko-KR" sz="2400" dirty="0">
                 <a:solidFill>
                   <a:srgbClr val="BFBFBF"/>
                 </a:solidFill>
@@ -5932,7 +6486,7 @@
               <a:t>· </a:t>
             </a:r>
             <a:r>
-              <a:rPr lang="ko-KR" altLang="en-US" sz="2400" dirty="0" smtClean="0">
+              <a:rPr lang="ko-KR" altLang="en-US" sz="2400" dirty="0">
                 <a:solidFill>
                   <a:srgbClr val="BFBFBF"/>
                 </a:solidFill>
@@ -5941,7 +6495,7 @@
               </a:rPr>
               <a:t>공개</a:t>
             </a:r>
-            <a:endParaRPr lang="en-US" altLang="ko-KR" sz="2400" dirty="0" smtClean="0">
+            <a:endParaRPr lang="en-US" altLang="ko-KR" sz="2400" dirty="0">
               <a:solidFill>
                 <a:srgbClr val="BFBFBF"/>
               </a:solidFill>
@@ -5951,7 +6505,7 @@
           </a:p>
           <a:p>
             <a:r>
-              <a:rPr lang="en-US" altLang="ko-KR" sz="2400" dirty="0" smtClean="0">
+              <a:rPr lang="en-US" altLang="ko-KR" sz="2400" dirty="0">
                 <a:solidFill>
                   <a:srgbClr val="BFBFBF"/>
                 </a:solidFill>
@@ -6024,7 +6578,7 @@
               </a:lnSpc>
             </a:pPr>
             <a:r>
-              <a:rPr lang="en-US" altLang="ko-KR" sz="4800" dirty="0" smtClean="0">
+              <a:rPr lang="en-US" altLang="ko-KR" sz="4800" dirty="0">
                 <a:solidFill>
                   <a:srgbClr val="BFBFBF"/>
                 </a:solidFill>
@@ -6035,7 +6589,7 @@
               <a:t>0. </a:t>
             </a:r>
             <a:r>
-              <a:rPr lang="ko-KR" altLang="en-US" sz="4800" dirty="0" smtClean="0">
+              <a:rPr lang="ko-KR" altLang="en-US" sz="4800" dirty="0">
                 <a:solidFill>
                   <a:srgbClr val="BFBFBF"/>
                 </a:solidFill>
@@ -6046,7 +6600,7 @@
               <a:t>사전학습 </a:t>
             </a:r>
             <a:r>
-              <a:rPr lang="en-US" altLang="ko-KR" sz="4800" dirty="0" smtClean="0">
+              <a:rPr lang="en-US" altLang="ko-KR" sz="4800" dirty="0">
                 <a:solidFill>
                   <a:srgbClr val="BFBFBF"/>
                 </a:solidFill>
@@ -6057,7 +6611,7 @@
               <a:t>(</a:t>
             </a:r>
             <a:r>
-              <a:rPr lang="en-US" altLang="ko-KR" sz="4800" dirty="0" err="1" smtClean="0">
+              <a:rPr lang="en-US" altLang="ko-KR" sz="4800" dirty="0" err="1">
                 <a:solidFill>
                   <a:srgbClr val="BFBFBF"/>
                 </a:solidFill>
@@ -6068,7 +6622,7 @@
               <a:t>Pretraining</a:t>
             </a:r>
             <a:r>
-              <a:rPr lang="en-US" altLang="ko-KR" sz="4800" dirty="0" smtClean="0">
+              <a:rPr lang="en-US" altLang="ko-KR" sz="4800" dirty="0">
                 <a:solidFill>
                   <a:srgbClr val="BFBFBF"/>
                 </a:solidFill>
@@ -6111,25 +6665,8 @@
                 <a:latin typeface="D2Coding" panose="020B0609020101020101" pitchFamily="49" charset="-127"/>
                 <a:ea typeface="D2Coding" panose="020B0609020101020101" pitchFamily="49" charset="-127"/>
               </a:rPr>
-              <a:t>이렇게 </a:t>
-            </a:r>
-            <a:r>
-              <a:rPr lang="ko-KR" altLang="en-US" sz="2400" dirty="0" smtClean="0">
-                <a:solidFill>
-                  <a:srgbClr val="BFBFBF"/>
-                </a:solidFill>
-                <a:latin typeface="D2Coding" panose="020B0609020101020101" pitchFamily="49" charset="-127"/>
-                <a:ea typeface="D2Coding" panose="020B0609020101020101" pitchFamily="49" charset="-127"/>
-              </a:rPr>
-              <a:t>학습한 모델은 바로 다음 단어를 예측 잘함</a:t>
-            </a:r>
-            <a:endParaRPr lang="ko-KR" altLang="en-US" sz="2400" dirty="0">
-              <a:solidFill>
-                <a:srgbClr val="BFBFBF"/>
-              </a:solidFill>
-              <a:latin typeface="D2Coding" panose="020B0609020101020101" pitchFamily="49" charset="-127"/>
-              <a:ea typeface="D2Coding" panose="020B0609020101020101" pitchFamily="49" charset="-127"/>
-            </a:endParaRPr>
+              <a:t>이렇게 학습한 모델은 바로 다음 단어를 예측 잘함</a:t>
+            </a:r>
           </a:p>
         </p:txBody>
       </p:sp>
@@ -6217,13 +6754,6 @@
   <p:clrMapOvr>
     <a:masterClrMapping/>
   </p:clrMapOvr>
-  <p:timing>
-    <p:tnLst>
-      <p:par>
-        <p:cTn id="1" dur="indefinite" restart="never" nodeType="tmRoot"/>
-      </p:par>
-    </p:tnLst>
-  </p:timing>
 </p:sld>
 </file>
 
@@ -6267,7 +6797,7 @@
           <a:p>
             <a:pPr algn="ctr"/>
             <a:r>
-              <a:rPr lang="ko-KR" altLang="en-US" sz="2800" dirty="0" smtClean="0">
+              <a:rPr lang="ko-KR" altLang="en-US" sz="2800" dirty="0">
                 <a:solidFill>
                   <a:srgbClr val="BFBFBF"/>
                 </a:solidFill>
@@ -6276,7 +6806,7 @@
               </a:rPr>
               <a:t>확률만 잘 예측하는 것만으로는 원하는 답변이 어려움</a:t>
             </a:r>
-            <a:endParaRPr lang="en-US" altLang="ko-KR" sz="2800" dirty="0" smtClean="0">
+            <a:endParaRPr lang="en-US" altLang="ko-KR" sz="2800" dirty="0">
               <a:solidFill>
                 <a:srgbClr val="BFBFBF"/>
               </a:solidFill>
@@ -6287,7 +6817,7 @@
           <a:p>
             <a:pPr algn="ctr"/>
             <a:r>
-              <a:rPr lang="ko-KR" altLang="en-US" sz="2800" dirty="0" smtClean="0">
+              <a:rPr lang="ko-KR" altLang="en-US" sz="2800" dirty="0">
                 <a:solidFill>
                   <a:srgbClr val="BFBFBF"/>
                 </a:solidFill>
@@ -6297,7 +6827,7 @@
               <a:t>잘 정돈된 </a:t>
             </a:r>
             <a:r>
-              <a:rPr lang="en-US" altLang="ko-KR" sz="2800" dirty="0" smtClean="0">
+              <a:rPr lang="en-US" altLang="ko-KR" sz="2800" dirty="0">
                 <a:solidFill>
                   <a:srgbClr val="BFBFBF"/>
                 </a:solidFill>
@@ -6307,7 +6837,7 @@
               <a:t>(</a:t>
             </a:r>
             <a:r>
-              <a:rPr lang="ko-KR" altLang="en-US" sz="2800" dirty="0" smtClean="0">
+              <a:rPr lang="ko-KR" altLang="en-US" sz="2800" dirty="0">
                 <a:solidFill>
                   <a:srgbClr val="BFBFBF"/>
                 </a:solidFill>
@@ -6327,7 +6857,7 @@
               <a:t>)</a:t>
             </a:r>
             <a:r>
-              <a:rPr lang="ko-KR" altLang="en-US" sz="2800" dirty="0" smtClean="0">
+              <a:rPr lang="ko-KR" altLang="en-US" sz="2800" dirty="0">
                 <a:solidFill>
                   <a:srgbClr val="BFBFBF"/>
                 </a:solidFill>
@@ -6336,7 +6866,7 @@
               </a:rPr>
               <a:t>을 학습하여</a:t>
             </a:r>
-            <a:endParaRPr lang="en-US" altLang="ko-KR" sz="2800" dirty="0" smtClean="0">
+            <a:endParaRPr lang="en-US" altLang="ko-KR" sz="2800" dirty="0">
               <a:solidFill>
                 <a:srgbClr val="BFBFBF"/>
               </a:solidFill>
@@ -6347,7 +6877,7 @@
           <a:p>
             <a:pPr algn="ctr"/>
             <a:r>
-              <a:rPr lang="ko-KR" altLang="en-US" sz="2800" dirty="0" smtClean="0">
+              <a:rPr lang="ko-KR" altLang="en-US" sz="2800" dirty="0">
                 <a:solidFill>
                   <a:srgbClr val="BFBFBF"/>
                 </a:solidFill>
@@ -6357,7 +6887,7 @@
               <a:t>사람의 요청에 </a:t>
             </a:r>
             <a:r>
-              <a:rPr lang="en-US" altLang="ko-KR" sz="2800" dirty="0" smtClean="0">
+              <a:rPr lang="en-US" altLang="ko-KR" sz="2800" dirty="0">
                 <a:solidFill>
                   <a:srgbClr val="BFBFBF"/>
                 </a:solidFill>
@@ -6367,7 +6897,7 @@
               <a:t>LLM</a:t>
             </a:r>
             <a:r>
-              <a:rPr lang="ko-KR" altLang="en-US" sz="2800" dirty="0" smtClean="0">
+              <a:rPr lang="ko-KR" altLang="en-US" sz="2800" dirty="0">
                 <a:solidFill>
                   <a:srgbClr val="BFBFBF"/>
                 </a:solidFill>
@@ -6376,13 +6906,6 @@
               </a:rPr>
               <a:t>의 응답이 잘 정돈되도록 개선</a:t>
             </a:r>
-            <a:endParaRPr lang="ko-KR" altLang="en-US" sz="2800" dirty="0">
-              <a:solidFill>
-                <a:srgbClr val="BFBFBF"/>
-              </a:solidFill>
-              <a:latin typeface="D2Coding" panose="020B0609020101020101" pitchFamily="49" charset="-127"/>
-              <a:ea typeface="D2Coding" panose="020B0609020101020101" pitchFamily="49" charset="-127"/>
-            </a:endParaRPr>
           </a:p>
         </p:txBody>
       </p:sp>
@@ -6408,7 +6931,7 @@
           <a:lstStyle/>
           <a:p>
             <a:r>
-              <a:rPr lang="ko-KR" altLang="en-US" dirty="0" smtClean="0">
+              <a:rPr lang="ko-KR" altLang="en-US" dirty="0">
                 <a:solidFill>
                   <a:srgbClr val="BFBFBF"/>
                 </a:solidFill>
@@ -6418,7 +6941,7 @@
               <a:t>요청과 응답 → </a:t>
             </a:r>
             <a:r>
-              <a:rPr lang="en-US" altLang="ko-KR" dirty="0" smtClean="0">
+              <a:rPr lang="en-US" altLang="ko-KR" dirty="0">
                 <a:solidFill>
                   <a:srgbClr val="BFBFBF"/>
                 </a:solidFill>
@@ -6465,13 +6988,6 @@
   <p:clrMapOvr>
     <a:masterClrMapping/>
   </p:clrMapOvr>
-  <p:timing>
-    <p:tnLst>
-      <p:par>
-        <p:cTn id="1" dur="indefinite" restart="never" nodeType="tmRoot"/>
-      </p:par>
-    </p:tnLst>
-  </p:timing>
 </p:sld>
 </file>
 
@@ -6829,7 +7345,7 @@
               <a:t> </a:t>
             </a:r>
             <a:r>
-              <a:rPr lang="en-US" sz="1750" dirty="0" err="1" smtClean="0">
+              <a:rPr lang="en-US" sz="1750" dirty="0" err="1">
                 <a:solidFill>
                   <a:srgbClr val="BFBFBF"/>
                 </a:solidFill>
@@ -6971,7 +7487,7 @@
           <a:lstStyle/>
           <a:p>
             <a:r>
-              <a:rPr lang="ko-KR" altLang="en-US" dirty="0" smtClean="0">
+              <a:rPr lang="ko-KR" altLang="en-US" dirty="0">
                 <a:solidFill>
                   <a:srgbClr val="BFBFBF"/>
                 </a:solidFill>
@@ -6981,7 +7497,7 @@
               <a:t>요청과 응답 → </a:t>
             </a:r>
             <a:r>
-              <a:rPr lang="en-US" altLang="ko-KR" dirty="0" smtClean="0">
+              <a:rPr lang="en-US" altLang="ko-KR" dirty="0">
                 <a:solidFill>
                   <a:srgbClr val="BFBFBF"/>
                 </a:solidFill>
@@ -7040,83 +7556,79 @@
           <a:lstStyle/>
           <a:p>
             <a:r>
-              <a:rPr lang="en-US" altLang="ko-KR" dirty="0" err="1" smtClean="0">
+              <a:rPr lang="en-US" altLang="ko-KR" dirty="0" err="1">
                 <a:latin typeface="HS산토끼체 2.0" pitchFamily="2" charset="-127"/>
                 <a:ea typeface="HS산토끼체 2.0" pitchFamily="2" charset="-127"/>
               </a:rPr>
               <a:t>OpenAI</a:t>
             </a:r>
             <a:r>
-              <a:rPr lang="ko-KR" altLang="en-US" dirty="0" smtClean="0">
+              <a:rPr lang="ko-KR" altLang="en-US" dirty="0">
                 <a:latin typeface="HS산토끼체 2.0" pitchFamily="2" charset="-127"/>
                 <a:ea typeface="HS산토끼체 2.0" pitchFamily="2" charset="-127"/>
               </a:rPr>
               <a:t>는 </a:t>
             </a:r>
-            <a:endParaRPr lang="en-US" altLang="ko-KR" dirty="0" smtClean="0">
+            <a:endParaRPr lang="en-US" altLang="ko-KR" dirty="0">
               <a:latin typeface="HS산토끼체 2.0" pitchFamily="2" charset="-127"/>
               <a:ea typeface="HS산토끼체 2.0" pitchFamily="2" charset="-127"/>
             </a:endParaRPr>
           </a:p>
           <a:p>
             <a:r>
-              <a:rPr lang="en-US" altLang="ko-KR" dirty="0" smtClean="0">
+              <a:rPr lang="en-US" altLang="ko-KR" dirty="0">
                 <a:latin typeface="HS산토끼체 2.0" pitchFamily="2" charset="-127"/>
                 <a:ea typeface="HS산토끼체 2.0" pitchFamily="2" charset="-127"/>
               </a:rPr>
               <a:t>22</a:t>
             </a:r>
             <a:r>
-              <a:rPr lang="ko-KR" altLang="en-US" dirty="0" smtClean="0">
+              <a:rPr lang="ko-KR" altLang="en-US" dirty="0">
                 <a:latin typeface="HS산토끼체 2.0" pitchFamily="2" charset="-127"/>
                 <a:ea typeface="HS산토끼체 2.0" pitchFamily="2" charset="-127"/>
               </a:rPr>
               <a:t>년 데이터레이블러</a:t>
             </a:r>
-            <a:endParaRPr lang="en-US" altLang="ko-KR" dirty="0" smtClean="0">
+            <a:endParaRPr lang="en-US" altLang="ko-KR" dirty="0">
               <a:latin typeface="HS산토끼체 2.0" pitchFamily="2" charset="-127"/>
               <a:ea typeface="HS산토끼체 2.0" pitchFamily="2" charset="-127"/>
             </a:endParaRPr>
           </a:p>
           <a:p>
             <a:r>
-              <a:rPr lang="ko-KR" altLang="en-US" dirty="0" smtClean="0">
+              <a:rPr lang="ko-KR" altLang="en-US" dirty="0">
                 <a:latin typeface="HS산토끼체 2.0" pitchFamily="2" charset="-127"/>
                 <a:ea typeface="HS산토끼체 2.0" pitchFamily="2" charset="-127"/>
               </a:rPr>
               <a:t>고용하여 </a:t>
             </a:r>
             <a:r>
-              <a:rPr lang="en-US" altLang="ko-KR" dirty="0" smtClean="0">
+              <a:rPr lang="en-US" altLang="ko-KR" dirty="0">
                 <a:latin typeface="HS산토끼체 2.0" pitchFamily="2" charset="-127"/>
                 <a:ea typeface="HS산토끼체 2.0" pitchFamily="2" charset="-127"/>
               </a:rPr>
               <a:t>13000</a:t>
             </a:r>
             <a:r>
-              <a:rPr lang="ko-KR" altLang="en-US" dirty="0" smtClean="0">
+              <a:rPr lang="ko-KR" altLang="en-US" dirty="0">
                 <a:latin typeface="HS산토끼체 2.0" pitchFamily="2" charset="-127"/>
                 <a:ea typeface="HS산토끼체 2.0" pitchFamily="2" charset="-127"/>
               </a:rPr>
               <a:t>개 이상의</a:t>
             </a:r>
-            <a:endParaRPr lang="en-US" altLang="ko-KR" dirty="0" smtClean="0">
+            <a:endParaRPr lang="en-US" altLang="ko-KR" dirty="0">
               <a:latin typeface="HS산토끼체 2.0" pitchFamily="2" charset="-127"/>
               <a:ea typeface="HS산토끼체 2.0" pitchFamily="2" charset="-127"/>
             </a:endParaRPr>
           </a:p>
           <a:p>
             <a:r>
-              <a:rPr lang="ko-KR" altLang="en-US" dirty="0" smtClean="0">
+              <a:rPr lang="ko-KR" altLang="en-US" dirty="0">
                 <a:latin typeface="HS산토끼체 2.0" pitchFamily="2" charset="-127"/>
                 <a:ea typeface="HS산토끼체 2.0" pitchFamily="2" charset="-127"/>
               </a:rPr>
               <a:t>지시데이터셋 구축</a:t>
             </a:r>
-            <a:endParaRPr lang="ko-KR" altLang="en-US" dirty="0">
-              <a:latin typeface="HS산토끼체 2.0" pitchFamily="2" charset="-127"/>
-              <a:ea typeface="HS산토끼체 2.0" pitchFamily="2" charset="-127"/>
-            </a:endParaRPr>
           </a:p>
         </p:txBody>
       </p:sp>
@@ -7125,13 +7637,6 @@
   <p:clrMapOvr>
     <a:masterClrMapping/>
   </p:clrMapOvr>
-  <p:timing>
-    <p:tnLst>
-      <p:par>
-        <p:cTn id="1" dur="indefinite" restart="never" nodeType="tmRoot"/>
-      </p:par>
-    </p:tnLst>
-  </p:timing>
 </p:sld>
 </file>
 
@@ -7216,7 +7721,7 @@
           <a:lstStyle/>
           <a:p>
             <a:r>
-              <a:rPr lang="en-US" altLang="ko-KR" sz="2400" dirty="0" smtClean="0">
+              <a:rPr lang="en-US" altLang="ko-KR" sz="2400" dirty="0">
                 <a:solidFill>
                   <a:srgbClr val="BFBFBF"/>
                 </a:solidFill>
@@ -7226,7 +7731,7 @@
               <a:t>Instruction Dataset</a:t>
             </a:r>
             <a:r>
-              <a:rPr lang="ko-KR" altLang="en-US" sz="2400" dirty="0" smtClean="0">
+              <a:rPr lang="ko-KR" altLang="en-US" sz="2400" dirty="0">
                 <a:solidFill>
                   <a:srgbClr val="BFBFBF"/>
                 </a:solidFill>
@@ -7235,15 +7740,6 @@
               </a:rPr>
               <a:t>구하는 방식</a:t>
             </a:r>
-            <a:endParaRPr lang="en-US" altLang="ko-KR" sz="2400" dirty="0" smtClean="0">
-              <a:solidFill>
-                <a:srgbClr val="BFBFBF"/>
-              </a:solidFill>
-              <a:latin typeface="D2Coding" panose="020B0609020101020101" pitchFamily="49" charset="-127"/>
-              <a:ea typeface="D2Coding" panose="020B0609020101020101" pitchFamily="49" charset="-127"/>
-            </a:endParaRPr>
-          </a:p>
-          <a:p>
             <a:endParaRPr lang="en-US" altLang="ko-KR" sz="2400" dirty="0">
               <a:solidFill>
                 <a:srgbClr val="BFBFBF"/>
@@ -7253,38 +7749,6 @@
             </a:endParaRPr>
           </a:p>
           <a:p>
-            <a:r>
-              <a:rPr lang="ko-KR" altLang="en-US" sz="2400" dirty="0" smtClean="0">
-                <a:solidFill>
-                  <a:srgbClr val="BFBFBF"/>
-                </a:solidFill>
-                <a:latin typeface="D2Coding" panose="020B0609020101020101" pitchFamily="49" charset="-127"/>
-                <a:ea typeface="D2Coding" panose="020B0609020101020101" pitchFamily="49" charset="-127"/>
-              </a:rPr>
-              <a:t>레이블러가 정교하게 분류한 데이터를</a:t>
-            </a:r>
-            <a:endParaRPr lang="en-US" altLang="ko-KR" sz="2400" dirty="0" smtClean="0"/>
-          </a:p>
-          <a:p>
-            <a:r>
-              <a:rPr lang="ko-KR" altLang="en-US" sz="2400" dirty="0" smtClean="0">
-                <a:solidFill>
-                  <a:srgbClr val="BFBFBF"/>
-                </a:solidFill>
-                <a:latin typeface="D2Coding" panose="020B0609020101020101" pitchFamily="49" charset="-127"/>
-                <a:ea typeface="D2Coding" panose="020B0609020101020101" pitchFamily="49" charset="-127"/>
-              </a:rPr>
-              <a:t>모델이 학습함 </a:t>
-            </a:r>
-            <a:endParaRPr lang="en-US" altLang="ko-KR" sz="2400" dirty="0" smtClean="0">
-              <a:solidFill>
-                <a:srgbClr val="BFBFBF"/>
-              </a:solidFill>
-              <a:latin typeface="D2Coding" panose="020B0609020101020101" pitchFamily="49" charset="-127"/>
-              <a:ea typeface="D2Coding" panose="020B0609020101020101" pitchFamily="49" charset="-127"/>
-            </a:endParaRPr>
-          </a:p>
-          <a:p>
             <a:endParaRPr lang="en-US" altLang="ko-KR" sz="2400" dirty="0">
               <a:solidFill>
                 <a:srgbClr val="BFBFBF"/>
@@ -7295,44 +7759,27 @@
           </a:p>
           <a:p>
             <a:r>
-              <a:rPr lang="en-US" altLang="ko-KR" sz="2400" dirty="0" smtClean="0">
+              <a:rPr lang="ko-KR" altLang="en-US" sz="2400" dirty="0">
                 <a:solidFill>
                   <a:srgbClr val="BFBFBF"/>
                 </a:solidFill>
                 <a:latin typeface="D2Coding" panose="020B0609020101020101" pitchFamily="49" charset="-127"/>
                 <a:ea typeface="D2Coding" panose="020B0609020101020101" pitchFamily="49" charset="-127"/>
               </a:rPr>
-              <a:t>ex&gt;</a:t>
-            </a:r>
-            <a:r>
-              <a:rPr lang="ko-KR" altLang="en-US" sz="2400" dirty="0" smtClean="0">
+              <a:t>레이블러가 정교하게 분류한 데이터를</a:t>
+            </a:r>
+            <a:endParaRPr lang="en-US" altLang="ko-KR" sz="2400" dirty="0"/>
+          </a:p>
+          <a:p>
+            <a:r>
+              <a:rPr lang="ko-KR" altLang="en-US" sz="2400" dirty="0">
                 <a:solidFill>
                   <a:srgbClr val="BFBFBF"/>
                 </a:solidFill>
                 <a:latin typeface="D2Coding" panose="020B0609020101020101" pitchFamily="49" charset="-127"/>
                 <a:ea typeface="D2Coding" panose="020B0609020101020101" pitchFamily="49" charset="-127"/>
               </a:rPr>
-              <a:t> 알파카데이터</a:t>
-            </a:r>
-            <a:endParaRPr lang="en-US" altLang="ko-KR" sz="2400" dirty="0" smtClean="0">
-              <a:solidFill>
-                <a:srgbClr val="BFBFBF"/>
-              </a:solidFill>
-              <a:latin typeface="D2Coding" panose="020B0609020101020101" pitchFamily="49" charset="-127"/>
-              <a:ea typeface="D2Coding" panose="020B0609020101020101" pitchFamily="49" charset="-127"/>
-            </a:endParaRPr>
-          </a:p>
-          <a:p>
-            <a:r>
-              <a:rPr lang="en-US" altLang="ko-KR" dirty="0" smtClean="0">
-                <a:solidFill>
-                  <a:srgbClr val="BFBFBF"/>
-                </a:solidFill>
-                <a:latin typeface="D2Coding" panose="020B0609020101020101" pitchFamily="49" charset="-127"/>
-                <a:ea typeface="D2Coding" panose="020B0609020101020101" pitchFamily="49" charset="-127"/>
-                <a:hlinkClick r:id="rId2"/>
-              </a:rPr>
-              <a:t>https://huggingface.co/datasets/tatsu-lab/alpaca</a:t>
+              <a:t>모델이 학습함 </a:t>
             </a:r>
             <a:endParaRPr lang="en-US" altLang="ko-KR" sz="2400" dirty="0">
               <a:solidFill>
@@ -7343,96 +7790,154 @@
             </a:endParaRPr>
           </a:p>
           <a:p>
-            <a:r>
-              <a:rPr lang="en-US" altLang="ko-KR" sz="2400" dirty="0" smtClean="0">
+            <a:endParaRPr lang="en-US" altLang="ko-KR" sz="2400" dirty="0">
+              <a:solidFill>
+                <a:srgbClr val="BFBFBF"/>
+              </a:solidFill>
+              <a:latin typeface="D2Coding" panose="020B0609020101020101" pitchFamily="49" charset="-127"/>
+              <a:ea typeface="D2Coding" panose="020B0609020101020101" pitchFamily="49" charset="-127"/>
+            </a:endParaRPr>
+          </a:p>
+          <a:p>
+            <a:r>
+              <a:rPr lang="en-US" altLang="ko-KR" sz="2400" dirty="0">
                 <a:solidFill>
                   <a:srgbClr val="BFBFBF"/>
                 </a:solidFill>
                 <a:latin typeface="D2Coding" panose="020B0609020101020101" pitchFamily="49" charset="-127"/>
                 <a:ea typeface="D2Coding" panose="020B0609020101020101" pitchFamily="49" charset="-127"/>
               </a:rPr>
-              <a:t>{</a:t>
-            </a:r>
-          </a:p>
-          <a:p>
-            <a:r>
-              <a:rPr lang="en-US" altLang="ko-KR" sz="2400" dirty="0" smtClean="0">
+              <a:t>ex&gt;</a:t>
+            </a:r>
+            <a:r>
+              <a:rPr lang="ko-KR" altLang="en-US" sz="2400" dirty="0">
                 <a:solidFill>
                   <a:srgbClr val="BFBFBF"/>
                 </a:solidFill>
                 <a:latin typeface="D2Coding" panose="020B0609020101020101" pitchFamily="49" charset="-127"/>
                 <a:ea typeface="D2Coding" panose="020B0609020101020101" pitchFamily="49" charset="-127"/>
               </a:rPr>
-              <a:t>‘</a:t>
-            </a:r>
-            <a:r>
-              <a:rPr lang="en-US" altLang="ko-KR" sz="2400" dirty="0" err="1" smtClean="0">
+              <a:t> 알파카데이터</a:t>
+            </a:r>
+            <a:endParaRPr lang="en-US" altLang="ko-KR" sz="2400" dirty="0">
+              <a:solidFill>
+                <a:srgbClr val="BFBFBF"/>
+              </a:solidFill>
+              <a:latin typeface="D2Coding" panose="020B0609020101020101" pitchFamily="49" charset="-127"/>
+              <a:ea typeface="D2Coding" panose="020B0609020101020101" pitchFamily="49" charset="-127"/>
+            </a:endParaRPr>
+          </a:p>
+          <a:p>
+            <a:r>
+              <a:rPr lang="en-US" altLang="ko-KR" dirty="0">
                 <a:solidFill>
                   <a:srgbClr val="BFBFBF"/>
                 </a:solidFill>
                 <a:latin typeface="D2Coding" panose="020B0609020101020101" pitchFamily="49" charset="-127"/>
                 <a:ea typeface="D2Coding" panose="020B0609020101020101" pitchFamily="49" charset="-127"/>
-              </a:rPr>
-              <a:t>Instruction’:’Identify</a:t>
-            </a:r>
-            <a:r>
-              <a:rPr lang="en-US" altLang="ko-KR" sz="2400" dirty="0" smtClean="0">
+                <a:hlinkClick r:id="rId2"/>
+              </a:rPr>
+              <a:t>https://huggingface.co/datasets/tatsu-lab/alpaca</a:t>
+            </a:r>
+            <a:endParaRPr lang="en-US" altLang="ko-KR" sz="2400" dirty="0">
+              <a:solidFill>
+                <a:srgbClr val="BFBFBF"/>
+              </a:solidFill>
+              <a:latin typeface="D2Coding" panose="020B0609020101020101" pitchFamily="49" charset="-127"/>
+              <a:ea typeface="D2Coding" panose="020B0609020101020101" pitchFamily="49" charset="-127"/>
+            </a:endParaRPr>
+          </a:p>
+          <a:p>
+            <a:r>
+              <a:rPr lang="en-US" altLang="ko-KR" sz="2400" dirty="0">
                 <a:solidFill>
                   <a:srgbClr val="BFBFBF"/>
                 </a:solidFill>
                 <a:latin typeface="D2Coding" panose="020B0609020101020101" pitchFamily="49" charset="-127"/>
                 <a:ea typeface="D2Coding" panose="020B0609020101020101" pitchFamily="49" charset="-127"/>
               </a:rPr>
-              <a:t> the odd one out.’,</a:t>
-            </a:r>
-          </a:p>
-          <a:p>
-            <a:r>
-              <a:rPr lang="en-US" altLang="ko-KR" sz="2400" dirty="0" smtClean="0">
+              <a:t>{</a:t>
+            </a:r>
+          </a:p>
+          <a:p>
+            <a:r>
+              <a:rPr lang="en-US" altLang="ko-KR" sz="2400" dirty="0">
                 <a:solidFill>
                   <a:srgbClr val="BFBFBF"/>
                 </a:solidFill>
                 <a:latin typeface="D2Coding" panose="020B0609020101020101" pitchFamily="49" charset="-127"/>
                 <a:ea typeface="D2Coding" panose="020B0609020101020101" pitchFamily="49" charset="-127"/>
               </a:rPr>
-              <a:t>‘Input’ : ‘Twitter, Instagram, Telegram’,</a:t>
-            </a:r>
-          </a:p>
-          <a:p>
-            <a:r>
-              <a:rPr lang="en-US" altLang="ko-KR" sz="2400" dirty="0" smtClean="0">
+              <a:t>‘</a:t>
+            </a:r>
+            <a:r>
+              <a:rPr lang="en-US" altLang="ko-KR" sz="2400" dirty="0" err="1">
                 <a:solidFill>
                   <a:srgbClr val="BFBFBF"/>
                 </a:solidFill>
                 <a:latin typeface="D2Coding" panose="020B0609020101020101" pitchFamily="49" charset="-127"/>
                 <a:ea typeface="D2Coding" panose="020B0609020101020101" pitchFamily="49" charset="-127"/>
               </a:rPr>
-              <a:t>‘</a:t>
-            </a:r>
-            <a:r>
-              <a:rPr lang="en-US" altLang="ko-KR" sz="2400" dirty="0" err="1" smtClean="0">
+              <a:t>Instruction’:’Identify</a:t>
+            </a:r>
+            <a:r>
+              <a:rPr lang="en-US" altLang="ko-KR" sz="2400" dirty="0">
                 <a:solidFill>
                   <a:srgbClr val="BFBFBF"/>
                 </a:solidFill>
                 <a:latin typeface="D2Coding" panose="020B0609020101020101" pitchFamily="49" charset="-127"/>
                 <a:ea typeface="D2Coding" panose="020B0609020101020101" pitchFamily="49" charset="-127"/>
               </a:rPr>
-              <a:t>output’:’Telegram</a:t>
-            </a:r>
-            <a:r>
-              <a:rPr lang="en-US" altLang="ko-KR" sz="2400" dirty="0" smtClean="0">
+              <a:t> the odd one out.’,</a:t>
+            </a:r>
+          </a:p>
+          <a:p>
+            <a:r>
+              <a:rPr lang="en-US" altLang="ko-KR" sz="2400" dirty="0">
                 <a:solidFill>
                   <a:srgbClr val="BFBFBF"/>
                 </a:solidFill>
                 <a:latin typeface="D2Coding" panose="020B0609020101020101" pitchFamily="49" charset="-127"/>
                 <a:ea typeface="D2Coding" panose="020B0609020101020101" pitchFamily="49" charset="-127"/>
               </a:rPr>
+              <a:t>‘Input’ : ‘Twitter, Instagram, Telegram’,</a:t>
+            </a:r>
+          </a:p>
+          <a:p>
+            <a:r>
+              <a:rPr lang="en-US" altLang="ko-KR" sz="2400" dirty="0">
+                <a:solidFill>
+                  <a:srgbClr val="BFBFBF"/>
+                </a:solidFill>
+                <a:latin typeface="D2Coding" panose="020B0609020101020101" pitchFamily="49" charset="-127"/>
+                <a:ea typeface="D2Coding" panose="020B0609020101020101" pitchFamily="49" charset="-127"/>
+              </a:rPr>
+              <a:t>‘</a:t>
+            </a:r>
+            <a:r>
+              <a:rPr lang="en-US" altLang="ko-KR" sz="2400" dirty="0" err="1">
+                <a:solidFill>
+                  <a:srgbClr val="BFBFBF"/>
+                </a:solidFill>
+                <a:latin typeface="D2Coding" panose="020B0609020101020101" pitchFamily="49" charset="-127"/>
+                <a:ea typeface="D2Coding" panose="020B0609020101020101" pitchFamily="49" charset="-127"/>
+              </a:rPr>
+              <a:t>output’:’Telegram</a:t>
+            </a:r>
+            <a:r>
+              <a:rPr lang="en-US" altLang="ko-KR" sz="2400" dirty="0">
+                <a:solidFill>
+                  <a:srgbClr val="BFBFBF"/>
+                </a:solidFill>
+                <a:latin typeface="D2Coding" panose="020B0609020101020101" pitchFamily="49" charset="-127"/>
+                <a:ea typeface="D2Coding" panose="020B0609020101020101" pitchFamily="49" charset="-127"/>
+              </a:rPr>
               <a:t>’</a:t>
             </a:r>
           </a:p>
           <a:p>
             <a:r>
-              <a:rPr lang="en-US" altLang="ko-KR" sz="2400" dirty="0" smtClean="0">
+              <a:rPr lang="en-US" altLang="ko-KR" sz="2400" dirty="0">
                 <a:solidFill>
                   <a:srgbClr val="BFBFBF"/>
                 </a:solidFill>
@@ -7642,14 +8147,6 @@
               </a:rPr>
               <a:t> </a:t>
             </a:r>
-            <a:endParaRPr lang="en-US" sz="1750" dirty="0" smtClean="0">
-              <a:solidFill>
-                <a:srgbClr val="BFBFBF"/>
-              </a:solidFill>
-              <a:latin typeface="Open Sans" pitchFamily="34" charset="0"/>
-              <a:ea typeface="Open Sans" pitchFamily="34" charset="-122"/>
-              <a:cs typeface="Open Sans" pitchFamily="34" charset="-120"/>
-            </a:endParaRPr>
           </a:p>
           <a:p>
             <a:pPr marL="0" indent="0">
@@ -7659,7 +8156,7 @@
               <a:buNone/>
             </a:pPr>
             <a:r>
-              <a:rPr lang="en-US" sz="1750" dirty="0" err="1" smtClean="0">
+              <a:rPr lang="en-US" sz="1750" dirty="0" err="1">
                 <a:solidFill>
                   <a:srgbClr val="BFBFBF"/>
                 </a:solidFill>
@@ -7670,7 +8167,7 @@
               <a:t>고품질</a:t>
             </a:r>
             <a:r>
-              <a:rPr lang="en-US" sz="1750" dirty="0" smtClean="0">
+              <a:rPr lang="en-US" sz="1750" dirty="0">
                 <a:solidFill>
                   <a:srgbClr val="BFBFBF"/>
                 </a:solidFill>
@@ -7678,18 +8175,7 @@
                 <a:ea typeface="Open Sans" pitchFamily="34" charset="-122"/>
                 <a:cs typeface="Open Sans" pitchFamily="34" charset="-120"/>
               </a:rPr>
-              <a:t> </a:t>
-            </a:r>
-            <a:r>
-              <a:rPr lang="en-US" sz="1750" dirty="0">
-                <a:solidFill>
-                  <a:srgbClr val="BFBFBF"/>
-                </a:solidFill>
-                <a:latin typeface="Open Sans" pitchFamily="34" charset="0"/>
-                <a:ea typeface="Open Sans" pitchFamily="34" charset="-122"/>
-                <a:cs typeface="Open Sans" pitchFamily="34" charset="-120"/>
-              </a:rPr>
-              <a:t>데이터셋이 필수적입니다.</a:t>
+              <a:t> 데이터셋이 필수적입니다.</a:t>
             </a:r>
             <a:endParaRPr lang="en-US" sz="1750" dirty="0"/>
           </a:p>
@@ -7797,14 +8283,6 @@
               </a:rPr>
               <a:t> </a:t>
             </a:r>
-            <a:endParaRPr lang="en-US" sz="1750" dirty="0" smtClean="0">
-              <a:solidFill>
-                <a:srgbClr val="BFBFBF"/>
-              </a:solidFill>
-              <a:latin typeface="Open Sans" pitchFamily="34" charset="0"/>
-              <a:ea typeface="Open Sans" pitchFamily="34" charset="-122"/>
-              <a:cs typeface="Open Sans" pitchFamily="34" charset="-120"/>
-            </a:endParaRPr>
           </a:p>
           <a:p>
             <a:pPr marL="0" indent="0">
@@ -7814,7 +8292,7 @@
               <a:buNone/>
             </a:pPr>
             <a:r>
-              <a:rPr lang="en-US" sz="1750" dirty="0" err="1" smtClean="0">
+              <a:rPr lang="en-US" sz="1750" dirty="0" err="1">
                 <a:solidFill>
                   <a:srgbClr val="BFBFBF"/>
                 </a:solidFill>
@@ -7825,7 +8303,7 @@
               <a:t>스타일</a:t>
             </a:r>
             <a:r>
-              <a:rPr lang="en-US" sz="1750" dirty="0" smtClean="0">
+              <a:rPr lang="en-US" sz="1750" dirty="0">
                 <a:solidFill>
                   <a:srgbClr val="BFBFBF"/>
                 </a:solidFill>
@@ -7833,18 +8311,7 @@
                 <a:ea typeface="Open Sans" pitchFamily="34" charset="-122"/>
                 <a:cs typeface="Open Sans" pitchFamily="34" charset="-120"/>
               </a:rPr>
-              <a:t> </a:t>
-            </a:r>
-            <a:r>
-              <a:rPr lang="en-US" sz="1750" dirty="0">
-                <a:solidFill>
-                  <a:srgbClr val="BFBFBF"/>
-                </a:solidFill>
-                <a:latin typeface="Open Sans" pitchFamily="34" charset="0"/>
-                <a:ea typeface="Open Sans" pitchFamily="34" charset="-122"/>
-                <a:cs typeface="Open Sans" pitchFamily="34" charset="-120"/>
-              </a:rPr>
-              <a:t>전환이 가능합니다.</a:t>
+              <a:t> 전환이 가능합니다.</a:t>
             </a:r>
             <a:endParaRPr lang="en-US" sz="1750" dirty="0"/>
           </a:p>
@@ -7878,7 +8345,7 @@
               <a:buNone/>
             </a:pPr>
             <a:r>
-              <a:rPr lang="ko-KR" altLang="en-US" sz="2200" dirty="0" smtClean="0">
+              <a:rPr lang="ko-KR" altLang="en-US" sz="2200" dirty="0">
                 <a:solidFill>
                   <a:srgbClr val="FEFEFE"/>
                 </a:solidFill>
@@ -7889,7 +8356,7 @@
               <a:t>독스트링</a:t>
             </a:r>
             <a:r>
-              <a:rPr lang="en-US" altLang="ko-KR" sz="2200" dirty="0" smtClean="0">
+              <a:rPr lang="en-US" altLang="ko-KR" sz="2200" dirty="0">
                 <a:solidFill>
                   <a:srgbClr val="FEFEFE"/>
                 </a:solidFill>
@@ -7900,7 +8367,7 @@
               <a:t>(</a:t>
             </a:r>
             <a:r>
-              <a:rPr lang="en-US" altLang="ko-KR" sz="2200" dirty="0" err="1" smtClean="0">
+              <a:rPr lang="en-US" altLang="ko-KR" sz="2200" dirty="0" err="1">
                 <a:solidFill>
                   <a:srgbClr val="FEFEFE"/>
                 </a:solidFill>
@@ -7911,7 +8378,7 @@
               <a:t>Docstring</a:t>
             </a:r>
             <a:r>
-              <a:rPr lang="en-US" altLang="ko-KR" sz="2200" dirty="0" smtClean="0">
+              <a:rPr lang="en-US" altLang="ko-KR" sz="2200" dirty="0">
                 <a:solidFill>
                   <a:srgbClr val="FEFEFE"/>
                 </a:solidFill>
@@ -7953,7 +8420,7 @@
               <a:buNone/>
             </a:pPr>
             <a:r>
-              <a:rPr lang="ko-KR" altLang="en-US" sz="1750" dirty="0" smtClean="0">
+              <a:rPr lang="ko-KR" altLang="en-US" sz="1750" dirty="0">
                 <a:solidFill>
                   <a:srgbClr val="BFBFBF"/>
                 </a:solidFill>
@@ -7962,7 +8429,7 @@
               </a:rPr>
               <a:t>주석을 명확하게 정리한 데이터가</a:t>
             </a:r>
-            <a:endParaRPr lang="en-US" altLang="ko-KR" sz="1750" dirty="0" smtClean="0">
+            <a:endParaRPr lang="en-US" altLang="ko-KR" sz="1750" dirty="0">
               <a:solidFill>
                 <a:srgbClr val="BFBFBF"/>
               </a:solidFill>
@@ -7978,7 +8445,7 @@
               <a:buNone/>
             </a:pPr>
             <a:r>
-              <a:rPr lang="ko-KR" altLang="en-US" sz="1750" dirty="0" smtClean="0">
+              <a:rPr lang="ko-KR" altLang="en-US" sz="1750" dirty="0">
                 <a:solidFill>
                   <a:srgbClr val="BFBFBF"/>
                 </a:solidFill>
@@ -7987,7 +8454,7 @@
               </a:rPr>
               <a:t>교육적 가치가 높음</a:t>
             </a:r>
-            <a:endParaRPr lang="en-US" altLang="ko-KR" sz="1750" dirty="0" smtClean="0"/>
+            <a:endParaRPr lang="en-US" altLang="ko-KR" sz="1750" dirty="0"/>
           </a:p>
         </p:txBody>
       </p:sp>
@@ -8037,36 +8504,19 @@
           <a:lstStyle/>
           <a:p>
             <a:r>
-              <a:rPr lang="en-US" altLang="ko-KR" sz="2400" dirty="0" smtClean="0">
+              <a:rPr lang="en-US" altLang="ko-KR" sz="2400" dirty="0">
                 <a:solidFill>
                   <a:srgbClr val="BFBFBF"/>
                 </a:solidFill>
                 <a:latin typeface="D2Coding" panose="020B0609020101020101" pitchFamily="49" charset="-127"/>
                 <a:ea typeface="D2Coding" panose="020B0609020101020101" pitchFamily="49" charset="-127"/>
               </a:rPr>
-              <a:t>Textbook is All you Need(</a:t>
-            </a:r>
-            <a:r>
-              <a:rPr lang="en-US" altLang="ko-KR" sz="2400" dirty="0" smtClean="0">
-                <a:solidFill>
-                  <a:srgbClr val="BFBFBF"/>
-                </a:solidFill>
-                <a:latin typeface="D2Coding" panose="020B0609020101020101" pitchFamily="49" charset="-127"/>
-                <a:ea typeface="D2Coding" panose="020B0609020101020101" pitchFamily="49" charset="-127"/>
-              </a:rPr>
-              <a:t>MS, 2023)</a:t>
-            </a:r>
-            <a:endParaRPr lang="en-US" altLang="ko-KR" sz="2400" dirty="0" smtClean="0">
-              <a:solidFill>
-                <a:srgbClr val="BFBFBF"/>
-              </a:solidFill>
-              <a:latin typeface="D2Coding" panose="020B0609020101020101" pitchFamily="49" charset="-127"/>
-              <a:ea typeface="D2Coding" panose="020B0609020101020101" pitchFamily="49" charset="-127"/>
-            </a:endParaRPr>
-          </a:p>
-          <a:p>
-            <a:r>
-              <a:rPr lang="en-US" altLang="ko-KR" dirty="0" smtClean="0">
+              <a:t>Textbook is All you Need(MS, 2023)</a:t>
+            </a:r>
+          </a:p>
+          <a:p>
+            <a:r>
+              <a:rPr lang="en-US" altLang="ko-KR" dirty="0">
                 <a:solidFill>
                   <a:srgbClr val="BFBFBF"/>
                 </a:solidFill>
@@ -8131,36 +8581,19 @@
           <a:lstStyle/>
           <a:p>
             <a:r>
-              <a:rPr lang="en-US" altLang="ko-KR" sz="2400" dirty="0" smtClean="0">
+              <a:rPr lang="en-US" altLang="ko-KR" sz="2400" dirty="0">
                 <a:solidFill>
                   <a:srgbClr val="BFBFBF"/>
                 </a:solidFill>
                 <a:latin typeface="D2Coding" panose="020B0609020101020101" pitchFamily="49" charset="-127"/>
                 <a:ea typeface="D2Coding" panose="020B0609020101020101" pitchFamily="49" charset="-127"/>
               </a:rPr>
-              <a:t>Less Is More for Alignment(</a:t>
-            </a:r>
-            <a:r>
-              <a:rPr lang="en-US" altLang="ko-KR" sz="2400" dirty="0" smtClean="0">
-                <a:solidFill>
-                  <a:srgbClr val="BFBFBF"/>
-                </a:solidFill>
-                <a:latin typeface="D2Coding" panose="020B0609020101020101" pitchFamily="49" charset="-127"/>
-                <a:ea typeface="D2Coding" panose="020B0609020101020101" pitchFamily="49" charset="-127"/>
-              </a:rPr>
-              <a:t>Meta, 2023)</a:t>
-            </a:r>
-            <a:endParaRPr lang="en-US" altLang="ko-KR" sz="2400" dirty="0" smtClean="0">
-              <a:solidFill>
-                <a:srgbClr val="BFBFBF"/>
-              </a:solidFill>
-              <a:latin typeface="D2Coding" panose="020B0609020101020101" pitchFamily="49" charset="-127"/>
-              <a:ea typeface="D2Coding" panose="020B0609020101020101" pitchFamily="49" charset="-127"/>
-            </a:endParaRPr>
-          </a:p>
-          <a:p>
-            <a:r>
-              <a:rPr lang="en-US" altLang="ko-KR" dirty="0" smtClean="0">
+              <a:t>Less Is More for Alignment(Meta, 2023)</a:t>
+            </a:r>
+          </a:p>
+          <a:p>
+            <a:r>
+              <a:rPr lang="en-US" altLang="ko-KR" dirty="0">
                 <a:solidFill>
                   <a:srgbClr val="BFBFBF"/>
                 </a:solidFill>
